--- a/media/network_diagram.pptx
+++ b/media/network_diagram.pptx
@@ -8027,17 +8027,17 @@
             </a:pPr>
             <a:r>
               <a:rPr lang="en-US" sz="1600">
-                <a:latin typeface="Times New Roman" charset="0"/>
-                <a:ea typeface="Times New Roman" charset="0"/>
-                <a:cs typeface="Times New Roman" charset="0"/>
+                <a:latin typeface="Open Sans" charset="0"/>
+                <a:ea typeface="Open Sans" charset="0"/>
+                <a:cs typeface="Open Sans" charset="0"/>
                 <a:sym typeface="Open Sans"/>
               </a:rPr>
               <a:t>1</a:t>
             </a:r>
             <a:endParaRPr sz="1600">
-              <a:latin typeface="Times New Roman" charset="0"/>
-              <a:ea typeface="Times New Roman" charset="0"/>
-              <a:cs typeface="Times New Roman" charset="0"/>
+              <a:latin typeface="Open Sans" charset="0"/>
+              <a:ea typeface="Open Sans" charset="0"/>
+              <a:cs typeface="Open Sans" charset="0"/>
               <a:sym typeface="Open Sans"/>
             </a:endParaRPr>
           </a:p>
@@ -8087,17 +8087,17 @@
             </a:pPr>
             <a:r>
               <a:rPr lang="en-US" sz="1600">
-                <a:latin typeface="Times New Roman" charset="0"/>
-                <a:ea typeface="Times New Roman" charset="0"/>
-                <a:cs typeface="Times New Roman" charset="0"/>
+                <a:latin typeface="Open Sans" charset="0"/>
+                <a:ea typeface="Open Sans" charset="0"/>
+                <a:cs typeface="Open Sans" charset="0"/>
                 <a:sym typeface="Open Sans"/>
               </a:rPr>
               <a:t>...</a:t>
             </a:r>
             <a:endParaRPr sz="1600">
-              <a:latin typeface="Times New Roman" charset="0"/>
-              <a:ea typeface="Times New Roman" charset="0"/>
-              <a:cs typeface="Times New Roman" charset="0"/>
+              <a:latin typeface="Open Sans" charset="0"/>
+              <a:ea typeface="Open Sans" charset="0"/>
+              <a:cs typeface="Open Sans" charset="0"/>
               <a:sym typeface="Open Sans"/>
             </a:endParaRPr>
           </a:p>
@@ -8147,17 +8147,17 @@
             </a:pPr>
             <a:r>
               <a:rPr lang="en-US" sz="1600">
-                <a:latin typeface="Times New Roman" charset="0"/>
-                <a:ea typeface="Times New Roman" charset="0"/>
-                <a:cs typeface="Times New Roman" charset="0"/>
+                <a:latin typeface="Open Sans" charset="0"/>
+                <a:ea typeface="Open Sans" charset="0"/>
+                <a:cs typeface="Open Sans" charset="0"/>
                 <a:sym typeface="Open Sans"/>
               </a:rPr>
               <a:t>2</a:t>
             </a:r>
             <a:endParaRPr sz="1600">
-              <a:latin typeface="Times New Roman" charset="0"/>
-              <a:ea typeface="Times New Roman" charset="0"/>
-              <a:cs typeface="Times New Roman" charset="0"/>
+              <a:latin typeface="Open Sans" charset="0"/>
+              <a:ea typeface="Open Sans" charset="0"/>
+              <a:cs typeface="Open Sans" charset="0"/>
               <a:sym typeface="Open Sans"/>
             </a:endParaRPr>
           </a:p>
@@ -8207,17 +8207,17 @@
             </a:pPr>
             <a:r>
               <a:rPr lang="en-US" sz="1600">
-                <a:latin typeface="Times New Roman" charset="0"/>
-                <a:ea typeface="Times New Roman" charset="0"/>
-                <a:cs typeface="Times New Roman" charset="0"/>
+                <a:latin typeface="Open Sans" charset="0"/>
+                <a:ea typeface="Open Sans" charset="0"/>
+                <a:cs typeface="Open Sans" charset="0"/>
                 <a:sym typeface="Open Sans"/>
               </a:rPr>
               <a:t>...</a:t>
             </a:r>
             <a:endParaRPr sz="1600">
-              <a:latin typeface="Times New Roman" charset="0"/>
-              <a:ea typeface="Times New Roman" charset="0"/>
-              <a:cs typeface="Times New Roman" charset="0"/>
+              <a:latin typeface="Open Sans" charset="0"/>
+              <a:ea typeface="Open Sans" charset="0"/>
+              <a:cs typeface="Open Sans" charset="0"/>
               <a:sym typeface="Open Sans"/>
             </a:endParaRPr>
           </a:p>
@@ -8267,17 +8267,17 @@
             </a:pPr>
             <a:r>
               <a:rPr lang="en-US" sz="1600">
-                <a:latin typeface="Times New Roman" charset="0"/>
-                <a:ea typeface="Times New Roman" charset="0"/>
-                <a:cs typeface="Times New Roman" charset="0"/>
+                <a:latin typeface="Open Sans" charset="0"/>
+                <a:ea typeface="Open Sans" charset="0"/>
+                <a:cs typeface="Open Sans" charset="0"/>
                 <a:sym typeface="Open Sans"/>
               </a:rPr>
               <a:t>...</a:t>
             </a:r>
             <a:endParaRPr sz="1600">
-              <a:latin typeface="Times New Roman" charset="0"/>
-              <a:ea typeface="Times New Roman" charset="0"/>
-              <a:cs typeface="Times New Roman" charset="0"/>
+              <a:latin typeface="Open Sans" charset="0"/>
+              <a:ea typeface="Open Sans" charset="0"/>
+              <a:cs typeface="Open Sans" charset="0"/>
               <a:sym typeface="Open Sans"/>
             </a:endParaRPr>
           </a:p>
@@ -8326,18 +8326,18 @@
               <a:buNone/>
             </a:pPr>
             <a:r>
-              <a:rPr lang="en-US" sz="1600">
-                <a:latin typeface="Times New Roman" charset="0"/>
-                <a:ea typeface="Times New Roman" charset="0"/>
-                <a:cs typeface="Times New Roman" charset="0"/>
+              <a:rPr lang="en-US" sz="1600" i="1">
+                <a:latin typeface="Open Sans" charset="0"/>
+                <a:ea typeface="Open Sans" charset="0"/>
+                <a:cs typeface="Open Sans" charset="0"/>
                 <a:sym typeface="Open Sans"/>
               </a:rPr>
               <a:t>n</a:t>
             </a:r>
-            <a:endParaRPr sz="1600">
-              <a:latin typeface="Times New Roman" charset="0"/>
-              <a:ea typeface="Times New Roman" charset="0"/>
-              <a:cs typeface="Times New Roman" charset="0"/>
+            <a:endParaRPr sz="1600" i="1">
+              <a:latin typeface="Open Sans" charset="0"/>
+              <a:ea typeface="Open Sans" charset="0"/>
+              <a:cs typeface="Open Sans" charset="0"/>
               <a:sym typeface="Open Sans"/>
             </a:endParaRPr>
           </a:p>
@@ -8389,17 +8389,17 @@
             </a:pPr>
             <a:r>
               <a:rPr lang="en-US" sz="1600" dirty="0">
-                <a:latin typeface="Times New Roman" charset="0"/>
-                <a:ea typeface="Times New Roman" charset="0"/>
-                <a:cs typeface="Times New Roman" charset="0"/>
+                <a:latin typeface="Open Sans" charset="0"/>
+                <a:ea typeface="Open Sans" charset="0"/>
+                <a:cs typeface="Open Sans" charset="0"/>
                 <a:sym typeface="Open Sans"/>
               </a:rPr>
               <a:t>FP1</a:t>
             </a:r>
             <a:endParaRPr sz="1600" dirty="0">
-              <a:latin typeface="Times New Roman" charset="0"/>
-              <a:ea typeface="Times New Roman" charset="0"/>
-              <a:cs typeface="Times New Roman" charset="0"/>
+              <a:latin typeface="Open Sans" charset="0"/>
+              <a:ea typeface="Open Sans" charset="0"/>
+              <a:cs typeface="Open Sans" charset="0"/>
               <a:sym typeface="Open Sans"/>
             </a:endParaRPr>
           </a:p>
@@ -8451,17 +8451,17 @@
             </a:pPr>
             <a:r>
               <a:rPr lang="en-US" sz="1600">
-                <a:latin typeface="Times New Roman" charset="0"/>
-                <a:ea typeface="Times New Roman" charset="0"/>
-                <a:cs typeface="Times New Roman" charset="0"/>
+                <a:latin typeface="Open Sans" charset="0"/>
+                <a:ea typeface="Open Sans" charset="0"/>
+                <a:cs typeface="Open Sans" charset="0"/>
                 <a:sym typeface="Open Sans"/>
               </a:rPr>
               <a:t>FP2</a:t>
             </a:r>
             <a:endParaRPr sz="1600">
-              <a:latin typeface="Times New Roman" charset="0"/>
-              <a:ea typeface="Times New Roman" charset="0"/>
-              <a:cs typeface="Times New Roman" charset="0"/>
+              <a:latin typeface="Open Sans" charset="0"/>
+              <a:ea typeface="Open Sans" charset="0"/>
+              <a:cs typeface="Open Sans" charset="0"/>
               <a:sym typeface="Open Sans"/>
             </a:endParaRPr>
           </a:p>
@@ -8685,7 +8685,11 @@
               </a:spcAft>
               <a:buNone/>
             </a:pPr>
-            <a:endParaRPr sz="1600"/>
+            <a:endParaRPr sz="1600">
+              <a:latin typeface="Open Sans" charset="0"/>
+              <a:ea typeface="Open Sans" charset="0"/>
+              <a:cs typeface="Open Sans" charset="0"/>
+            </a:endParaRPr>
           </a:p>
         </p:txBody>
       </p:sp>
@@ -8733,7 +8737,11 @@
               </a:spcAft>
               <a:buNone/>
             </a:pPr>
-            <a:endParaRPr sz="1600"/>
+            <a:endParaRPr sz="1600">
+              <a:latin typeface="Open Sans" charset="0"/>
+              <a:ea typeface="Open Sans" charset="0"/>
+              <a:cs typeface="Open Sans" charset="0"/>
+            </a:endParaRPr>
           </a:p>
         </p:txBody>
       </p:sp>
@@ -8861,8 +8869,8 @@
         </p:nvSpPr>
         <p:spPr>
           <a:xfrm rot="1119482">
-            <a:off x="1901536" y="1434723"/>
-            <a:ext cx="1510695" cy="432888"/>
+            <a:off x="1897302" y="1460495"/>
+            <a:ext cx="1671814" cy="432888"/>
           </a:xfrm>
           <a:prstGeom prst="rect">
             <a:avLst/>
@@ -8889,17 +8897,17 @@
             </a:pPr>
             <a:r>
               <a:rPr lang="en-US" sz="1600" dirty="0">
-                <a:latin typeface="Times New Roman" charset="0"/>
-                <a:ea typeface="Times New Roman" charset="0"/>
-                <a:cs typeface="Times New Roman" charset="0"/>
+                <a:latin typeface="Open Sans" charset="0"/>
+                <a:ea typeface="Open Sans" charset="0"/>
+                <a:cs typeface="Open Sans" charset="0"/>
                 <a:sym typeface="Open Sans"/>
               </a:rPr>
               <a:t>steam &amp; water</a:t>
             </a:r>
             <a:endParaRPr sz="1600" dirty="0">
-              <a:latin typeface="Times New Roman" charset="0"/>
-              <a:ea typeface="Times New Roman" charset="0"/>
-              <a:cs typeface="Times New Roman" charset="0"/>
+              <a:latin typeface="Open Sans" charset="0"/>
+              <a:ea typeface="Open Sans" charset="0"/>
+              <a:cs typeface="Open Sans" charset="0"/>
               <a:sym typeface="Open Sans"/>
             </a:endParaRPr>
           </a:p>
@@ -8913,8 +8921,8 @@
         </p:nvSpPr>
         <p:spPr>
           <a:xfrm>
-            <a:off x="5557696" y="1691246"/>
-            <a:ext cx="821700" cy="274500"/>
+            <a:off x="5257569" y="1734787"/>
+            <a:ext cx="1121827" cy="356427"/>
           </a:xfrm>
           <a:prstGeom prst="rect">
             <a:avLst/>
@@ -8940,18 +8948,18 @@
               <a:buNone/>
             </a:pPr>
             <a:r>
-              <a:rPr lang="en-US" sz="1600" dirty="0">
-                <a:latin typeface="Times New Roman" charset="0"/>
-                <a:ea typeface="Times New Roman" charset="0"/>
-                <a:cs typeface="Times New Roman" charset="0"/>
+              <a:rPr lang="en-US" dirty="0">
+                <a:latin typeface="Open Sans" charset="0"/>
+                <a:ea typeface="Open Sans" charset="0"/>
+                <a:cs typeface="Open Sans" charset="0"/>
                 <a:sym typeface="Open Sans"/>
               </a:rPr>
               <a:t>Power Plant 1</a:t>
             </a:r>
-            <a:endParaRPr sz="1600" dirty="0">
-              <a:latin typeface="Times New Roman" charset="0"/>
-              <a:ea typeface="Times New Roman" charset="0"/>
-              <a:cs typeface="Times New Roman" charset="0"/>
+            <a:endParaRPr dirty="0">
+              <a:latin typeface="Open Sans" charset="0"/>
+              <a:ea typeface="Open Sans" charset="0"/>
+              <a:cs typeface="Open Sans" charset="0"/>
               <a:sym typeface="Open Sans"/>
             </a:endParaRPr>
           </a:p>
@@ -8965,8 +8973,8 @@
         </p:nvSpPr>
         <p:spPr>
           <a:xfrm>
-            <a:off x="5557696" y="3323521"/>
-            <a:ext cx="821700" cy="274500"/>
+            <a:off x="5443266" y="3367063"/>
+            <a:ext cx="936130" cy="395750"/>
           </a:xfrm>
           <a:prstGeom prst="rect">
             <a:avLst/>
@@ -8992,18 +9000,18 @@
               <a:buNone/>
             </a:pPr>
             <a:r>
-              <a:rPr lang="en-US" sz="1600" dirty="0">
-                <a:latin typeface="Times New Roman" charset="0"/>
-                <a:ea typeface="Times New Roman" charset="0"/>
-                <a:cs typeface="Times New Roman" charset="0"/>
+              <a:rPr lang="en-US" dirty="0">
+                <a:latin typeface="Open Sans" charset="0"/>
+                <a:ea typeface="Open Sans" charset="0"/>
+                <a:cs typeface="Open Sans" charset="0"/>
                 <a:sym typeface="Open Sans"/>
               </a:rPr>
               <a:t>Power Plant 2</a:t>
             </a:r>
-            <a:endParaRPr sz="1600" dirty="0">
-              <a:latin typeface="Times New Roman" charset="0"/>
-              <a:ea typeface="Times New Roman" charset="0"/>
-              <a:cs typeface="Times New Roman" charset="0"/>
+            <a:endParaRPr dirty="0">
+              <a:latin typeface="Open Sans" charset="0"/>
+              <a:ea typeface="Open Sans" charset="0"/>
+              <a:cs typeface="Open Sans" charset="0"/>
               <a:sym typeface="Open Sans"/>
             </a:endParaRPr>
           </a:p>
@@ -9045,17 +9053,17 @@
             </a:pPr>
             <a:r>
               <a:rPr lang="en-US" sz="1600">
-                <a:latin typeface="Times New Roman" charset="0"/>
-                <a:ea typeface="Times New Roman" charset="0"/>
-                <a:cs typeface="Times New Roman" charset="0"/>
+                <a:latin typeface="Open Sans" charset="0"/>
+                <a:ea typeface="Open Sans" charset="0"/>
+                <a:cs typeface="Open Sans" charset="0"/>
                 <a:sym typeface="Open Sans"/>
               </a:rPr>
               <a:t>steam</a:t>
             </a:r>
             <a:endParaRPr sz="1600">
-              <a:latin typeface="Times New Roman" charset="0"/>
-              <a:ea typeface="Times New Roman" charset="0"/>
-              <a:cs typeface="Times New Roman" charset="0"/>
+              <a:latin typeface="Open Sans" charset="0"/>
+              <a:ea typeface="Open Sans" charset="0"/>
+              <a:cs typeface="Open Sans" charset="0"/>
               <a:sym typeface="Open Sans"/>
             </a:endParaRPr>
           </a:p>
@@ -9138,9 +9146,9 @@
               <a:buNone/>
             </a:pPr>
             <a:endParaRPr sz="1600">
-              <a:latin typeface="Open Sans"/>
-              <a:ea typeface="Open Sans"/>
-              <a:cs typeface="Open Sans"/>
+              <a:latin typeface="Open Sans" charset="0"/>
+              <a:ea typeface="Open Sans" charset="0"/>
+              <a:cs typeface="Open Sans" charset="0"/>
               <a:sym typeface="Open Sans"/>
             </a:endParaRPr>
           </a:p>
@@ -9191,9 +9199,9 @@
               <a:buNone/>
             </a:pPr>
             <a:endParaRPr sz="1600">
-              <a:latin typeface="Times New Roman" charset="0"/>
-              <a:ea typeface="Times New Roman" charset="0"/>
-              <a:cs typeface="Times New Roman" charset="0"/>
+              <a:latin typeface="Open Sans" charset="0"/>
+              <a:ea typeface="Open Sans" charset="0"/>
+              <a:cs typeface="Open Sans" charset="0"/>
             </a:endParaRPr>
           </a:p>
         </p:txBody>
@@ -9206,7 +9214,7 @@
         </p:nvSpPr>
         <p:spPr>
           <a:xfrm>
-            <a:off x="6570196" y="2475921"/>
+            <a:off x="6570196" y="2519463"/>
             <a:ext cx="821700" cy="274500"/>
           </a:xfrm>
           <a:prstGeom prst="rect">
@@ -9233,18 +9241,18 @@
               <a:buNone/>
             </a:pPr>
             <a:r>
-              <a:rPr lang="en-US" sz="1600" dirty="0">
-                <a:latin typeface="Times New Roman" charset="0"/>
-                <a:ea typeface="Times New Roman" charset="0"/>
-                <a:cs typeface="Times New Roman" charset="0"/>
+              <a:rPr lang="en-US" dirty="0">
+                <a:latin typeface="Open Sans" charset="0"/>
+                <a:ea typeface="Open Sans" charset="0"/>
+                <a:cs typeface="Open Sans" charset="0"/>
                 <a:sym typeface="Open Sans"/>
               </a:rPr>
               <a:t>Binary Plant</a:t>
             </a:r>
-            <a:endParaRPr sz="1600" dirty="0">
-              <a:latin typeface="Times New Roman" charset="0"/>
-              <a:ea typeface="Times New Roman" charset="0"/>
-              <a:cs typeface="Times New Roman" charset="0"/>
+            <a:endParaRPr dirty="0">
+              <a:latin typeface="Open Sans" charset="0"/>
+              <a:ea typeface="Open Sans" charset="0"/>
+              <a:cs typeface="Open Sans" charset="0"/>
               <a:sym typeface="Open Sans"/>
             </a:endParaRPr>
           </a:p>
@@ -9315,17 +9323,17 @@
             </a:pPr>
             <a:r>
               <a:rPr lang="en-US" sz="1600">
-                <a:latin typeface="Times New Roman" charset="0"/>
-                <a:ea typeface="Times New Roman" charset="0"/>
-                <a:cs typeface="Times New Roman" charset="0"/>
+                <a:latin typeface="Open Sans" charset="0"/>
+                <a:ea typeface="Open Sans" charset="0"/>
+                <a:cs typeface="Open Sans" charset="0"/>
                 <a:sym typeface="Open Sans"/>
               </a:rPr>
               <a:t>water</a:t>
             </a:r>
             <a:endParaRPr sz="1600">
-              <a:latin typeface="Times New Roman" charset="0"/>
-              <a:ea typeface="Times New Roman" charset="0"/>
-              <a:cs typeface="Times New Roman" charset="0"/>
+              <a:latin typeface="Open Sans" charset="0"/>
+              <a:ea typeface="Open Sans" charset="0"/>
+              <a:cs typeface="Open Sans" charset="0"/>
               <a:sym typeface="Open Sans"/>
             </a:endParaRPr>
           </a:p>
@@ -9340,9 +9348,9 @@
               <a:buNone/>
             </a:pPr>
             <a:endParaRPr sz="1600" dirty="0">
-              <a:latin typeface="Times New Roman" charset="0"/>
-              <a:ea typeface="Times New Roman" charset="0"/>
-              <a:cs typeface="Times New Roman" charset="0"/>
+              <a:latin typeface="Open Sans" charset="0"/>
+              <a:ea typeface="Open Sans" charset="0"/>
+              <a:cs typeface="Open Sans" charset="0"/>
               <a:sym typeface="Open Sans"/>
             </a:endParaRPr>
           </a:p>
@@ -9384,17 +9392,17 @@
             </a:pPr>
             <a:r>
               <a:rPr lang="en-US" sz="1600" dirty="0">
-                <a:latin typeface="Times New Roman" charset="0"/>
-                <a:ea typeface="Times New Roman" charset="0"/>
-                <a:cs typeface="Times New Roman" charset="0"/>
+                <a:latin typeface="Open Sans" charset="0"/>
+                <a:ea typeface="Open Sans" charset="0"/>
+                <a:cs typeface="Open Sans" charset="0"/>
                 <a:sym typeface="Open Sans"/>
               </a:rPr>
               <a:t>water</a:t>
             </a:r>
             <a:endParaRPr sz="1600" dirty="0">
-              <a:latin typeface="Times New Roman" charset="0"/>
-              <a:ea typeface="Times New Roman" charset="0"/>
-              <a:cs typeface="Times New Roman" charset="0"/>
+              <a:latin typeface="Open Sans" charset="0"/>
+              <a:ea typeface="Open Sans" charset="0"/>
+              <a:cs typeface="Open Sans" charset="0"/>
               <a:sym typeface="Open Sans"/>
             </a:endParaRPr>
           </a:p>
@@ -9408,8 +9416,8 @@
         </p:nvSpPr>
         <p:spPr>
           <a:xfrm>
-            <a:off x="7151284" y="4042200"/>
-            <a:ext cx="1218900" cy="575400"/>
+            <a:off x="7151283" y="4042200"/>
+            <a:ext cx="1382619" cy="575400"/>
           </a:xfrm>
           <a:prstGeom prst="rect">
             <a:avLst/>
@@ -9436,26 +9444,26 @@
             </a:pPr>
             <a:r>
               <a:rPr lang="en-US" sz="1600" dirty="0">
-                <a:latin typeface="Times New Roman" charset="0"/>
-                <a:ea typeface="Times New Roman" charset="0"/>
-                <a:cs typeface="Times New Roman" charset="0"/>
+                <a:latin typeface="Open Sans" charset="0"/>
+                <a:ea typeface="Open Sans" charset="0"/>
+                <a:cs typeface="Open Sans" charset="0"/>
                 <a:sym typeface="Open Sans"/>
               </a:rPr>
               <a:t>reinjection, prawn farm, </a:t>
             </a:r>
             <a:r>
               <a:rPr lang="en-US" sz="1600" dirty="0" smtClean="0">
-                <a:latin typeface="Times New Roman" charset="0"/>
-                <a:ea typeface="Times New Roman" charset="0"/>
-                <a:cs typeface="Times New Roman" charset="0"/>
+                <a:latin typeface="Open Sans" charset="0"/>
+                <a:ea typeface="Open Sans" charset="0"/>
+                <a:cs typeface="Open Sans" charset="0"/>
                 <a:sym typeface="Open Sans"/>
               </a:rPr>
               <a:t>etc.</a:t>
             </a:r>
             <a:endParaRPr sz="1600" dirty="0">
-              <a:latin typeface="Times New Roman" charset="0"/>
-              <a:ea typeface="Times New Roman" charset="0"/>
-              <a:cs typeface="Times New Roman" charset="0"/>
+              <a:latin typeface="Open Sans" charset="0"/>
+              <a:ea typeface="Open Sans" charset="0"/>
+              <a:cs typeface="Open Sans" charset="0"/>
               <a:sym typeface="Open Sans"/>
             </a:endParaRPr>
           </a:p>
@@ -9497,17 +9505,17 @@
             </a:pPr>
             <a:r>
               <a:rPr lang="en-US" sz="1600" dirty="0">
-                <a:latin typeface="Times New Roman" charset="0"/>
-                <a:ea typeface="Times New Roman" charset="0"/>
-                <a:cs typeface="Times New Roman" charset="0"/>
+                <a:latin typeface="Open Sans" charset="0"/>
+                <a:ea typeface="Open Sans" charset="0"/>
+                <a:cs typeface="Open Sans" charset="0"/>
                 <a:sym typeface="Open Sans"/>
               </a:rPr>
               <a:t>steam</a:t>
             </a:r>
             <a:endParaRPr sz="1600" dirty="0">
-              <a:latin typeface="Times New Roman" charset="0"/>
-              <a:ea typeface="Times New Roman" charset="0"/>
-              <a:cs typeface="Times New Roman" charset="0"/>
+              <a:latin typeface="Open Sans" charset="0"/>
+              <a:ea typeface="Open Sans" charset="0"/>
+              <a:cs typeface="Open Sans" charset="0"/>
               <a:sym typeface="Open Sans"/>
             </a:endParaRPr>
           </a:p>

--- a/media/network_diagram.pptx
+++ b/media/network_diagram.pptx
@@ -7983,1573 +7983,1702 @@
           <a:chExt cx="0" cy="0"/>
         </a:xfrm>
       </p:grpSpPr>
-      <p:sp>
-        <p:nvSpPr>
-          <p:cNvPr id="130" name="Google Shape;130;p10"/>
-          <p:cNvSpPr/>
+      <p:grpSp>
+        <p:nvGrpSpPr>
+          <p:cNvPr id="3" name="Group 2"/>
+          <p:cNvGrpSpPr/>
           <p:nvPr/>
-        </p:nvSpPr>
-        <p:spPr>
+        </p:nvGrpSpPr>
+        <p:grpSpPr>
           <a:xfrm>
-            <a:off x="1398225" y="1270475"/>
-            <a:ext cx="456600" cy="456600"/>
+            <a:off x="1249250" y="752662"/>
+            <a:ext cx="7284652" cy="3864938"/>
+            <a:chOff x="1249250" y="752662"/>
+            <a:chExt cx="7284652" cy="3864938"/>
           </a:xfrm>
-          <a:prstGeom prst="ellipse">
-            <a:avLst/>
-          </a:prstGeom>
-          <a:solidFill>
-            <a:srgbClr val="FCE5CD"/>
-          </a:solidFill>
-          <a:ln w="19050" cap="flat" cmpd="sng">
+        </p:grpSpPr>
+        <p:sp>
+          <p:nvSpPr>
+            <p:cNvPr id="130" name="Google Shape;130;p10"/>
+            <p:cNvSpPr/>
+            <p:nvPr/>
+          </p:nvSpPr>
+          <p:spPr>
+            <a:xfrm>
+              <a:off x="1398225" y="1270475"/>
+              <a:ext cx="456600" cy="456600"/>
+            </a:xfrm>
+            <a:prstGeom prst="ellipse">
+              <a:avLst/>
+            </a:prstGeom>
             <a:solidFill>
-              <a:schemeClr val="tx1"/>
+              <a:srgbClr val="FCE5CD"/>
             </a:solidFill>
-            <a:prstDash val="solid"/>
-            <a:round/>
-            <a:headEnd type="none" w="sm" len="sm"/>
-            <a:tailEnd type="none" w="sm" len="sm"/>
-          </a:ln>
-        </p:spPr>
-        <p:txBody>
-          <a:bodyPr spcFirstLastPara="1" wrap="square" lIns="0" tIns="91425" rIns="0" bIns="91425" anchor="ctr" anchorCtr="0">
-            <a:noAutofit/>
-          </a:bodyPr>
-          <a:lstStyle/>
-          <a:p>
-            <a:pPr marL="0" lvl="0" indent="0" algn="ctr">
-              <a:spcBef>
-                <a:spcPts val="0"/>
-              </a:spcBef>
-              <a:spcAft>
-                <a:spcPts val="0"/>
-              </a:spcAft>
-              <a:buNone/>
-            </a:pPr>
-            <a:r>
-              <a:rPr lang="en-US" sz="1600">
+            <a:ln w="19050" cap="flat" cmpd="sng">
+              <a:solidFill>
+                <a:schemeClr val="tx1"/>
+              </a:solidFill>
+              <a:prstDash val="solid"/>
+              <a:round/>
+              <a:headEnd type="none" w="sm" len="sm"/>
+              <a:tailEnd type="none" w="sm" len="sm"/>
+            </a:ln>
+          </p:spPr>
+          <p:txBody>
+            <a:bodyPr spcFirstLastPara="1" wrap="square" lIns="0" tIns="91425" rIns="0" bIns="91425" anchor="ctr" anchorCtr="0">
+              <a:noAutofit/>
+            </a:bodyPr>
+            <a:lstStyle/>
+            <a:p>
+              <a:pPr marL="0" lvl="0" indent="0" algn="ctr">
+                <a:spcBef>
+                  <a:spcPts val="0"/>
+                </a:spcBef>
+                <a:spcAft>
+                  <a:spcPts val="0"/>
+                </a:spcAft>
+                <a:buNone/>
+              </a:pPr>
+              <a:r>
+                <a:rPr lang="en-US" sz="1600">
+                  <a:latin typeface="Open Sans" charset="0"/>
+                  <a:ea typeface="Open Sans" charset="0"/>
+                  <a:cs typeface="Open Sans" charset="0"/>
+                  <a:sym typeface="Open Sans"/>
+                </a:rPr>
+                <a:t>1</a:t>
+              </a:r>
+              <a:endParaRPr sz="1600">
                 <a:latin typeface="Open Sans" charset="0"/>
                 <a:ea typeface="Open Sans" charset="0"/>
                 <a:cs typeface="Open Sans" charset="0"/>
                 <a:sym typeface="Open Sans"/>
-              </a:rPr>
-              <a:t>1</a:t>
-            </a:r>
-            <a:endParaRPr sz="1600">
-              <a:latin typeface="Open Sans" charset="0"/>
-              <a:ea typeface="Open Sans" charset="0"/>
-              <a:cs typeface="Open Sans" charset="0"/>
-              <a:sym typeface="Open Sans"/>
-            </a:endParaRPr>
-          </a:p>
-        </p:txBody>
-      </p:sp>
-      <p:sp>
-        <p:nvSpPr>
-          <p:cNvPr id="131" name="Google Shape;131;p10"/>
-          <p:cNvSpPr/>
-          <p:nvPr/>
-        </p:nvSpPr>
-        <p:spPr>
-          <a:xfrm>
-            <a:off x="1398225" y="3427126"/>
-            <a:ext cx="456600" cy="456600"/>
-          </a:xfrm>
-          <a:prstGeom prst="ellipse">
-            <a:avLst/>
-          </a:prstGeom>
-          <a:solidFill>
-            <a:srgbClr val="FCE5CD"/>
-          </a:solidFill>
-          <a:ln w="19050" cap="flat" cmpd="sng">
+              </a:endParaRPr>
+            </a:p>
+          </p:txBody>
+        </p:sp>
+        <p:sp>
+          <p:nvSpPr>
+            <p:cNvPr id="131" name="Google Shape;131;p10"/>
+            <p:cNvSpPr/>
+            <p:nvPr/>
+          </p:nvSpPr>
+          <p:spPr>
+            <a:xfrm>
+              <a:off x="1398225" y="3427126"/>
+              <a:ext cx="456600" cy="456600"/>
+            </a:xfrm>
+            <a:prstGeom prst="ellipse">
+              <a:avLst/>
+            </a:prstGeom>
             <a:solidFill>
-              <a:schemeClr val="tx1"/>
+              <a:srgbClr val="FCE5CD"/>
             </a:solidFill>
-            <a:prstDash val="solid"/>
-            <a:round/>
-            <a:headEnd type="none" w="sm" len="sm"/>
-            <a:tailEnd type="none" w="sm" len="sm"/>
-          </a:ln>
-        </p:spPr>
-        <p:txBody>
-          <a:bodyPr spcFirstLastPara="1" wrap="square" lIns="0" tIns="91425" rIns="0" bIns="91425" anchor="ctr" anchorCtr="0">
-            <a:noAutofit/>
-          </a:bodyPr>
-          <a:lstStyle/>
-          <a:p>
-            <a:pPr marL="0" lvl="0" indent="0" algn="ctr">
-              <a:spcBef>
-                <a:spcPts val="0"/>
-              </a:spcBef>
-              <a:spcAft>
-                <a:spcPts val="0"/>
-              </a:spcAft>
-              <a:buNone/>
-            </a:pPr>
-            <a:r>
-              <a:rPr lang="en-US" sz="1600">
+            <a:ln w="19050" cap="flat" cmpd="sng">
+              <a:solidFill>
+                <a:schemeClr val="tx1"/>
+              </a:solidFill>
+              <a:prstDash val="solid"/>
+              <a:round/>
+              <a:headEnd type="none" w="sm" len="sm"/>
+              <a:tailEnd type="none" w="sm" len="sm"/>
+            </a:ln>
+          </p:spPr>
+          <p:txBody>
+            <a:bodyPr spcFirstLastPara="1" wrap="square" lIns="0" tIns="91425" rIns="0" bIns="91425" anchor="ctr" anchorCtr="0">
+              <a:noAutofit/>
+            </a:bodyPr>
+            <a:lstStyle/>
+            <a:p>
+              <a:pPr marL="0" lvl="0" indent="0" algn="ctr">
+                <a:spcBef>
+                  <a:spcPts val="0"/>
+                </a:spcBef>
+                <a:spcAft>
+                  <a:spcPts val="0"/>
+                </a:spcAft>
+                <a:buNone/>
+              </a:pPr>
+              <a:r>
+                <a:rPr lang="en-US" sz="1600">
+                  <a:latin typeface="Open Sans" charset="0"/>
+                  <a:ea typeface="Open Sans" charset="0"/>
+                  <a:cs typeface="Open Sans" charset="0"/>
+                  <a:sym typeface="Open Sans"/>
+                </a:rPr>
+                <a:t>...</a:t>
+              </a:r>
+              <a:endParaRPr sz="1600">
                 <a:latin typeface="Open Sans" charset="0"/>
                 <a:ea typeface="Open Sans" charset="0"/>
                 <a:cs typeface="Open Sans" charset="0"/>
                 <a:sym typeface="Open Sans"/>
-              </a:rPr>
-              <a:t>...</a:t>
-            </a:r>
-            <a:endParaRPr sz="1600">
-              <a:latin typeface="Open Sans" charset="0"/>
-              <a:ea typeface="Open Sans" charset="0"/>
-              <a:cs typeface="Open Sans" charset="0"/>
-              <a:sym typeface="Open Sans"/>
-            </a:endParaRPr>
-          </a:p>
-        </p:txBody>
-      </p:sp>
-      <p:sp>
-        <p:nvSpPr>
-          <p:cNvPr id="132" name="Google Shape;132;p10"/>
-          <p:cNvSpPr/>
-          <p:nvPr/>
-        </p:nvSpPr>
-        <p:spPr>
-          <a:xfrm>
-            <a:off x="1398225" y="1809638"/>
-            <a:ext cx="456600" cy="456600"/>
-          </a:xfrm>
-          <a:prstGeom prst="ellipse">
-            <a:avLst/>
-          </a:prstGeom>
-          <a:solidFill>
-            <a:srgbClr val="FCE5CD"/>
-          </a:solidFill>
-          <a:ln w="19050" cap="flat" cmpd="sng">
+              </a:endParaRPr>
+            </a:p>
+          </p:txBody>
+        </p:sp>
+        <p:sp>
+          <p:nvSpPr>
+            <p:cNvPr id="132" name="Google Shape;132;p10"/>
+            <p:cNvSpPr/>
+            <p:nvPr/>
+          </p:nvSpPr>
+          <p:spPr>
+            <a:xfrm>
+              <a:off x="1398225" y="1809638"/>
+              <a:ext cx="456600" cy="456600"/>
+            </a:xfrm>
+            <a:prstGeom prst="ellipse">
+              <a:avLst/>
+            </a:prstGeom>
             <a:solidFill>
-              <a:schemeClr val="tx1"/>
+              <a:srgbClr val="FCE5CD"/>
             </a:solidFill>
-            <a:prstDash val="solid"/>
-            <a:round/>
-            <a:headEnd type="none" w="sm" len="sm"/>
-            <a:tailEnd type="none" w="sm" len="sm"/>
-          </a:ln>
-        </p:spPr>
-        <p:txBody>
-          <a:bodyPr spcFirstLastPara="1" wrap="square" lIns="0" tIns="91425" rIns="0" bIns="91425" anchor="ctr" anchorCtr="0">
-            <a:noAutofit/>
-          </a:bodyPr>
-          <a:lstStyle/>
-          <a:p>
-            <a:pPr marL="0" lvl="0" indent="0" algn="ctr">
-              <a:spcBef>
-                <a:spcPts val="0"/>
-              </a:spcBef>
-              <a:spcAft>
-                <a:spcPts val="0"/>
-              </a:spcAft>
-              <a:buNone/>
-            </a:pPr>
-            <a:r>
-              <a:rPr lang="en-US" sz="1600">
+            <a:ln w="19050" cap="flat" cmpd="sng">
+              <a:solidFill>
+                <a:schemeClr val="tx1"/>
+              </a:solidFill>
+              <a:prstDash val="solid"/>
+              <a:round/>
+              <a:headEnd type="none" w="sm" len="sm"/>
+              <a:tailEnd type="none" w="sm" len="sm"/>
+            </a:ln>
+          </p:spPr>
+          <p:txBody>
+            <a:bodyPr spcFirstLastPara="1" wrap="square" lIns="0" tIns="91425" rIns="0" bIns="91425" anchor="ctr" anchorCtr="0">
+              <a:noAutofit/>
+            </a:bodyPr>
+            <a:lstStyle/>
+            <a:p>
+              <a:pPr marL="0" lvl="0" indent="0" algn="ctr">
+                <a:spcBef>
+                  <a:spcPts val="0"/>
+                </a:spcBef>
+                <a:spcAft>
+                  <a:spcPts val="0"/>
+                </a:spcAft>
+                <a:buNone/>
+              </a:pPr>
+              <a:r>
+                <a:rPr lang="en-US" sz="1600">
+                  <a:latin typeface="Open Sans" charset="0"/>
+                  <a:ea typeface="Open Sans" charset="0"/>
+                  <a:cs typeface="Open Sans" charset="0"/>
+                  <a:sym typeface="Open Sans"/>
+                </a:rPr>
+                <a:t>2</a:t>
+              </a:r>
+              <a:endParaRPr sz="1600">
                 <a:latin typeface="Open Sans" charset="0"/>
                 <a:ea typeface="Open Sans" charset="0"/>
                 <a:cs typeface="Open Sans" charset="0"/>
                 <a:sym typeface="Open Sans"/>
-              </a:rPr>
-              <a:t>2</a:t>
-            </a:r>
-            <a:endParaRPr sz="1600">
-              <a:latin typeface="Open Sans" charset="0"/>
-              <a:ea typeface="Open Sans" charset="0"/>
-              <a:cs typeface="Open Sans" charset="0"/>
-              <a:sym typeface="Open Sans"/>
-            </a:endParaRPr>
-          </a:p>
-        </p:txBody>
-      </p:sp>
-      <p:sp>
-        <p:nvSpPr>
-          <p:cNvPr id="133" name="Google Shape;133;p10"/>
-          <p:cNvSpPr/>
-          <p:nvPr/>
-        </p:nvSpPr>
-        <p:spPr>
-          <a:xfrm>
-            <a:off x="1398225" y="2348801"/>
-            <a:ext cx="456600" cy="456600"/>
-          </a:xfrm>
-          <a:prstGeom prst="ellipse">
-            <a:avLst/>
-          </a:prstGeom>
-          <a:solidFill>
-            <a:srgbClr val="FCE5CD"/>
-          </a:solidFill>
-          <a:ln w="19050" cap="flat" cmpd="sng">
+              </a:endParaRPr>
+            </a:p>
+          </p:txBody>
+        </p:sp>
+        <p:sp>
+          <p:nvSpPr>
+            <p:cNvPr id="133" name="Google Shape;133;p10"/>
+            <p:cNvSpPr/>
+            <p:nvPr/>
+          </p:nvSpPr>
+          <p:spPr>
+            <a:xfrm>
+              <a:off x="1398225" y="2348801"/>
+              <a:ext cx="456600" cy="456600"/>
+            </a:xfrm>
+            <a:prstGeom prst="ellipse">
+              <a:avLst/>
+            </a:prstGeom>
             <a:solidFill>
-              <a:schemeClr val="tx1"/>
+              <a:srgbClr val="FCE5CD"/>
             </a:solidFill>
-            <a:prstDash val="solid"/>
-            <a:round/>
-            <a:headEnd type="none" w="sm" len="sm"/>
-            <a:tailEnd type="none" w="sm" len="sm"/>
-          </a:ln>
-        </p:spPr>
-        <p:txBody>
-          <a:bodyPr spcFirstLastPara="1" wrap="square" lIns="0" tIns="91425" rIns="0" bIns="91425" anchor="ctr" anchorCtr="0">
-            <a:noAutofit/>
-          </a:bodyPr>
-          <a:lstStyle/>
-          <a:p>
-            <a:pPr marL="0" lvl="0" indent="0" algn="ctr">
-              <a:spcBef>
-                <a:spcPts val="0"/>
-              </a:spcBef>
-              <a:spcAft>
-                <a:spcPts val="0"/>
-              </a:spcAft>
-              <a:buNone/>
-            </a:pPr>
-            <a:r>
-              <a:rPr lang="en-US" sz="1600">
+            <a:ln w="19050" cap="flat" cmpd="sng">
+              <a:solidFill>
+                <a:schemeClr val="tx1"/>
+              </a:solidFill>
+              <a:prstDash val="solid"/>
+              <a:round/>
+              <a:headEnd type="none" w="sm" len="sm"/>
+              <a:tailEnd type="none" w="sm" len="sm"/>
+            </a:ln>
+          </p:spPr>
+          <p:txBody>
+            <a:bodyPr spcFirstLastPara="1" wrap="square" lIns="0" tIns="91425" rIns="0" bIns="91425" anchor="ctr" anchorCtr="0">
+              <a:noAutofit/>
+            </a:bodyPr>
+            <a:lstStyle/>
+            <a:p>
+              <a:pPr marL="0" lvl="0" indent="0" algn="ctr">
+                <a:spcBef>
+                  <a:spcPts val="0"/>
+                </a:spcBef>
+                <a:spcAft>
+                  <a:spcPts val="0"/>
+                </a:spcAft>
+                <a:buNone/>
+              </a:pPr>
+              <a:r>
+                <a:rPr lang="en-US" sz="1600">
+                  <a:latin typeface="Open Sans" charset="0"/>
+                  <a:ea typeface="Open Sans" charset="0"/>
+                  <a:cs typeface="Open Sans" charset="0"/>
+                  <a:sym typeface="Open Sans"/>
+                </a:rPr>
+                <a:t>...</a:t>
+              </a:r>
+              <a:endParaRPr sz="1600">
                 <a:latin typeface="Open Sans" charset="0"/>
                 <a:ea typeface="Open Sans" charset="0"/>
                 <a:cs typeface="Open Sans" charset="0"/>
                 <a:sym typeface="Open Sans"/>
-              </a:rPr>
-              <a:t>...</a:t>
-            </a:r>
-            <a:endParaRPr sz="1600">
-              <a:latin typeface="Open Sans" charset="0"/>
-              <a:ea typeface="Open Sans" charset="0"/>
-              <a:cs typeface="Open Sans" charset="0"/>
-              <a:sym typeface="Open Sans"/>
-            </a:endParaRPr>
-          </a:p>
-        </p:txBody>
-      </p:sp>
-      <p:sp>
-        <p:nvSpPr>
-          <p:cNvPr id="134" name="Google Shape;134;p10"/>
-          <p:cNvSpPr/>
-          <p:nvPr/>
-        </p:nvSpPr>
-        <p:spPr>
-          <a:xfrm>
-            <a:off x="1398225" y="2887963"/>
-            <a:ext cx="456600" cy="456600"/>
-          </a:xfrm>
-          <a:prstGeom prst="ellipse">
-            <a:avLst/>
-          </a:prstGeom>
-          <a:solidFill>
-            <a:srgbClr val="FCE5CD"/>
-          </a:solidFill>
-          <a:ln w="19050" cap="flat" cmpd="sng">
+              </a:endParaRPr>
+            </a:p>
+          </p:txBody>
+        </p:sp>
+        <p:sp>
+          <p:nvSpPr>
+            <p:cNvPr id="134" name="Google Shape;134;p10"/>
+            <p:cNvSpPr/>
+            <p:nvPr/>
+          </p:nvSpPr>
+          <p:spPr>
+            <a:xfrm>
+              <a:off x="1398225" y="2887963"/>
+              <a:ext cx="456600" cy="456600"/>
+            </a:xfrm>
+            <a:prstGeom prst="ellipse">
+              <a:avLst/>
+            </a:prstGeom>
             <a:solidFill>
-              <a:schemeClr val="tx1"/>
+              <a:srgbClr val="FCE5CD"/>
             </a:solidFill>
-            <a:prstDash val="solid"/>
-            <a:round/>
-            <a:headEnd type="none" w="sm" len="sm"/>
-            <a:tailEnd type="none" w="sm" len="sm"/>
-          </a:ln>
-        </p:spPr>
-        <p:txBody>
-          <a:bodyPr spcFirstLastPara="1" wrap="square" lIns="0" tIns="91425" rIns="0" bIns="91425" anchor="ctr" anchorCtr="0">
-            <a:noAutofit/>
-          </a:bodyPr>
-          <a:lstStyle/>
-          <a:p>
-            <a:pPr marL="0" lvl="0" indent="0" algn="ctr">
-              <a:spcBef>
-                <a:spcPts val="0"/>
-              </a:spcBef>
-              <a:spcAft>
-                <a:spcPts val="0"/>
-              </a:spcAft>
-              <a:buNone/>
-            </a:pPr>
-            <a:r>
-              <a:rPr lang="en-US" sz="1600">
+            <a:ln w="19050" cap="flat" cmpd="sng">
+              <a:solidFill>
+                <a:schemeClr val="tx1"/>
+              </a:solidFill>
+              <a:prstDash val="solid"/>
+              <a:round/>
+              <a:headEnd type="none" w="sm" len="sm"/>
+              <a:tailEnd type="none" w="sm" len="sm"/>
+            </a:ln>
+          </p:spPr>
+          <p:txBody>
+            <a:bodyPr spcFirstLastPara="1" wrap="square" lIns="0" tIns="91425" rIns="0" bIns="91425" anchor="ctr" anchorCtr="0">
+              <a:noAutofit/>
+            </a:bodyPr>
+            <a:lstStyle/>
+            <a:p>
+              <a:pPr marL="0" lvl="0" indent="0" algn="ctr">
+                <a:spcBef>
+                  <a:spcPts val="0"/>
+                </a:spcBef>
+                <a:spcAft>
+                  <a:spcPts val="0"/>
+                </a:spcAft>
+                <a:buNone/>
+              </a:pPr>
+              <a:r>
+                <a:rPr lang="en-US" sz="1600">
+                  <a:latin typeface="Open Sans" charset="0"/>
+                  <a:ea typeface="Open Sans" charset="0"/>
+                  <a:cs typeface="Open Sans" charset="0"/>
+                  <a:sym typeface="Open Sans"/>
+                </a:rPr>
+                <a:t>...</a:t>
+              </a:r>
+              <a:endParaRPr sz="1600">
                 <a:latin typeface="Open Sans" charset="0"/>
                 <a:ea typeface="Open Sans" charset="0"/>
                 <a:cs typeface="Open Sans" charset="0"/>
                 <a:sym typeface="Open Sans"/>
-              </a:rPr>
-              <a:t>...</a:t>
-            </a:r>
-            <a:endParaRPr sz="1600">
-              <a:latin typeface="Open Sans" charset="0"/>
-              <a:ea typeface="Open Sans" charset="0"/>
-              <a:cs typeface="Open Sans" charset="0"/>
-              <a:sym typeface="Open Sans"/>
-            </a:endParaRPr>
-          </a:p>
-        </p:txBody>
-      </p:sp>
-      <p:sp>
-        <p:nvSpPr>
-          <p:cNvPr id="135" name="Google Shape;135;p10"/>
-          <p:cNvSpPr/>
-          <p:nvPr/>
-        </p:nvSpPr>
-        <p:spPr>
-          <a:xfrm>
-            <a:off x="1398225" y="3966289"/>
-            <a:ext cx="456600" cy="456600"/>
-          </a:xfrm>
-          <a:prstGeom prst="ellipse">
-            <a:avLst/>
-          </a:prstGeom>
-          <a:solidFill>
-            <a:srgbClr val="FCE5CD"/>
-          </a:solidFill>
-          <a:ln w="19050" cap="flat" cmpd="sng">
+              </a:endParaRPr>
+            </a:p>
+          </p:txBody>
+        </p:sp>
+        <p:sp>
+          <p:nvSpPr>
+            <p:cNvPr id="135" name="Google Shape;135;p10"/>
+            <p:cNvSpPr/>
+            <p:nvPr/>
+          </p:nvSpPr>
+          <p:spPr>
+            <a:xfrm>
+              <a:off x="1398225" y="3966289"/>
+              <a:ext cx="456600" cy="456600"/>
+            </a:xfrm>
+            <a:prstGeom prst="ellipse">
+              <a:avLst/>
+            </a:prstGeom>
             <a:solidFill>
-              <a:schemeClr val="tx1"/>
+              <a:srgbClr val="FCE5CD"/>
             </a:solidFill>
-            <a:prstDash val="solid"/>
-            <a:round/>
-            <a:headEnd type="none" w="sm" len="sm"/>
-            <a:tailEnd type="none" w="sm" len="sm"/>
-          </a:ln>
-        </p:spPr>
-        <p:txBody>
-          <a:bodyPr spcFirstLastPara="1" wrap="square" lIns="0" tIns="91425" rIns="0" bIns="91425" anchor="ctr" anchorCtr="0">
-            <a:noAutofit/>
-          </a:bodyPr>
-          <a:lstStyle/>
-          <a:p>
-            <a:pPr marL="0" lvl="0" indent="0" algn="ctr">
-              <a:spcBef>
-                <a:spcPts val="0"/>
-              </a:spcBef>
-              <a:spcAft>
-                <a:spcPts val="0"/>
-              </a:spcAft>
-              <a:buNone/>
-            </a:pPr>
-            <a:r>
-              <a:rPr lang="en-US" sz="1600" i="1">
+            <a:ln w="19050" cap="flat" cmpd="sng">
+              <a:solidFill>
+                <a:schemeClr val="tx1"/>
+              </a:solidFill>
+              <a:prstDash val="solid"/>
+              <a:round/>
+              <a:headEnd type="none" w="sm" len="sm"/>
+              <a:tailEnd type="none" w="sm" len="sm"/>
+            </a:ln>
+          </p:spPr>
+          <p:txBody>
+            <a:bodyPr spcFirstLastPara="1" wrap="square" lIns="0" tIns="91425" rIns="0" bIns="91425" anchor="ctr" anchorCtr="0">
+              <a:noAutofit/>
+            </a:bodyPr>
+            <a:lstStyle/>
+            <a:p>
+              <a:pPr marL="0" lvl="0" indent="0" algn="ctr">
+                <a:spcBef>
+                  <a:spcPts val="0"/>
+                </a:spcBef>
+                <a:spcAft>
+                  <a:spcPts val="0"/>
+                </a:spcAft>
+                <a:buNone/>
+              </a:pPr>
+              <a:r>
+                <a:rPr lang="en-US" sz="1600" i="1">
+                  <a:latin typeface="Open Sans" charset="0"/>
+                  <a:ea typeface="Open Sans" charset="0"/>
+                  <a:cs typeface="Open Sans" charset="0"/>
+                  <a:sym typeface="Open Sans"/>
+                </a:rPr>
+                <a:t>n</a:t>
+              </a:r>
+              <a:endParaRPr sz="1600" i="1">
                 <a:latin typeface="Open Sans" charset="0"/>
                 <a:ea typeface="Open Sans" charset="0"/>
                 <a:cs typeface="Open Sans" charset="0"/>
                 <a:sym typeface="Open Sans"/>
-              </a:rPr>
-              <a:t>n</a:t>
-            </a:r>
-            <a:endParaRPr sz="1600" i="1">
-              <a:latin typeface="Open Sans" charset="0"/>
-              <a:ea typeface="Open Sans" charset="0"/>
-              <a:cs typeface="Open Sans" charset="0"/>
-              <a:sym typeface="Open Sans"/>
-            </a:endParaRPr>
-          </a:p>
-        </p:txBody>
-      </p:sp>
-      <p:sp>
-        <p:nvSpPr>
-          <p:cNvPr id="136" name="Google Shape;136;p10"/>
-          <p:cNvSpPr/>
-          <p:nvPr/>
-        </p:nvSpPr>
-        <p:spPr>
-          <a:xfrm>
-            <a:off x="3517964" y="1635743"/>
-            <a:ext cx="456600" cy="804300"/>
-          </a:xfrm>
-          <a:prstGeom prst="roundRect">
-            <a:avLst>
-              <a:gd name="adj" fmla="val 16667"/>
-            </a:avLst>
-          </a:prstGeom>
-          <a:solidFill>
-            <a:srgbClr val="C9DAF8"/>
-          </a:solidFill>
-          <a:ln w="19050" cap="flat" cmpd="sng">
+              </a:endParaRPr>
+            </a:p>
+          </p:txBody>
+        </p:sp>
+        <p:sp>
+          <p:nvSpPr>
+            <p:cNvPr id="136" name="Google Shape;136;p10"/>
+            <p:cNvSpPr/>
+            <p:nvPr/>
+          </p:nvSpPr>
+          <p:spPr>
+            <a:xfrm>
+              <a:off x="3517964" y="1635743"/>
+              <a:ext cx="456600" cy="804300"/>
+            </a:xfrm>
+            <a:prstGeom prst="roundRect">
+              <a:avLst>
+                <a:gd name="adj" fmla="val 16667"/>
+              </a:avLst>
+            </a:prstGeom>
             <a:solidFill>
-              <a:schemeClr val="tx1"/>
+              <a:srgbClr val="C9DAF8"/>
             </a:solidFill>
-            <a:prstDash val="solid"/>
-            <a:round/>
-            <a:headEnd type="none" w="sm" len="sm"/>
-            <a:tailEnd type="none" w="sm" len="sm"/>
-          </a:ln>
-        </p:spPr>
-        <p:txBody>
-          <a:bodyPr spcFirstLastPara="1" wrap="square" lIns="91425" tIns="91425" rIns="91425" bIns="91425" anchor="ctr" anchorCtr="0">
-            <a:noAutofit/>
-          </a:bodyPr>
-          <a:lstStyle/>
-          <a:p>
-            <a:pPr marL="0" lvl="0" indent="0" algn="ctr">
-              <a:spcBef>
-                <a:spcPts val="0"/>
-              </a:spcBef>
-              <a:spcAft>
-                <a:spcPts val="0"/>
-              </a:spcAft>
-              <a:buNone/>
-            </a:pPr>
-            <a:r>
-              <a:rPr lang="en-US" sz="1600" dirty="0">
+            <a:ln w="19050" cap="flat" cmpd="sng">
+              <a:solidFill>
+                <a:schemeClr val="tx1"/>
+              </a:solidFill>
+              <a:prstDash val="solid"/>
+              <a:round/>
+              <a:headEnd type="none" w="sm" len="sm"/>
+              <a:tailEnd type="none" w="sm" len="sm"/>
+            </a:ln>
+          </p:spPr>
+          <p:txBody>
+            <a:bodyPr spcFirstLastPara="1" wrap="square" lIns="91425" tIns="91425" rIns="91425" bIns="91425" anchor="ctr" anchorCtr="0">
+              <a:noAutofit/>
+            </a:bodyPr>
+            <a:lstStyle/>
+            <a:p>
+              <a:pPr marL="0" lvl="0" indent="0" algn="ctr">
+                <a:spcBef>
+                  <a:spcPts val="0"/>
+                </a:spcBef>
+                <a:spcAft>
+                  <a:spcPts val="0"/>
+                </a:spcAft>
+                <a:buNone/>
+              </a:pPr>
+              <a:r>
+                <a:rPr lang="en-US" sz="1600" dirty="0">
+                  <a:latin typeface="Open Sans" charset="0"/>
+                  <a:ea typeface="Open Sans" charset="0"/>
+                  <a:cs typeface="Open Sans" charset="0"/>
+                  <a:sym typeface="Open Sans"/>
+                </a:rPr>
+                <a:t>FP1</a:t>
+              </a:r>
+              <a:endParaRPr sz="1600" dirty="0">
                 <a:latin typeface="Open Sans" charset="0"/>
                 <a:ea typeface="Open Sans" charset="0"/>
                 <a:cs typeface="Open Sans" charset="0"/>
                 <a:sym typeface="Open Sans"/>
-              </a:rPr>
-              <a:t>FP1</a:t>
-            </a:r>
-            <a:endParaRPr sz="1600" dirty="0">
-              <a:latin typeface="Open Sans" charset="0"/>
-              <a:ea typeface="Open Sans" charset="0"/>
-              <a:cs typeface="Open Sans" charset="0"/>
-              <a:sym typeface="Open Sans"/>
-            </a:endParaRPr>
-          </a:p>
-        </p:txBody>
-      </p:sp>
-      <p:sp>
-        <p:nvSpPr>
-          <p:cNvPr id="137" name="Google Shape;137;p10"/>
-          <p:cNvSpPr/>
-          <p:nvPr/>
-        </p:nvSpPr>
-        <p:spPr>
-          <a:xfrm>
-            <a:off x="3517964" y="3253232"/>
-            <a:ext cx="456600" cy="804300"/>
-          </a:xfrm>
-          <a:prstGeom prst="roundRect">
-            <a:avLst>
-              <a:gd name="adj" fmla="val 16667"/>
-            </a:avLst>
-          </a:prstGeom>
-          <a:solidFill>
-            <a:srgbClr val="C9DAF8"/>
-          </a:solidFill>
-          <a:ln w="19050" cap="flat" cmpd="sng">
+              </a:endParaRPr>
+            </a:p>
+          </p:txBody>
+        </p:sp>
+        <p:sp>
+          <p:nvSpPr>
+            <p:cNvPr id="137" name="Google Shape;137;p10"/>
+            <p:cNvSpPr/>
+            <p:nvPr/>
+          </p:nvSpPr>
+          <p:spPr>
+            <a:xfrm>
+              <a:off x="3517964" y="3253232"/>
+              <a:ext cx="456600" cy="804300"/>
+            </a:xfrm>
+            <a:prstGeom prst="roundRect">
+              <a:avLst>
+                <a:gd name="adj" fmla="val 16667"/>
+              </a:avLst>
+            </a:prstGeom>
             <a:solidFill>
-              <a:schemeClr val="tx1"/>
+              <a:srgbClr val="C9DAF8"/>
             </a:solidFill>
-            <a:prstDash val="solid"/>
-            <a:round/>
-            <a:headEnd type="none" w="sm" len="sm"/>
-            <a:tailEnd type="none" w="sm" len="sm"/>
-          </a:ln>
-        </p:spPr>
-        <p:txBody>
-          <a:bodyPr spcFirstLastPara="1" wrap="square" lIns="91425" tIns="91425" rIns="91425" bIns="91425" anchor="ctr" anchorCtr="0">
-            <a:noAutofit/>
-          </a:bodyPr>
-          <a:lstStyle/>
-          <a:p>
-            <a:pPr marL="0" lvl="0" indent="0" algn="ctr">
-              <a:spcBef>
-                <a:spcPts val="0"/>
-              </a:spcBef>
-              <a:spcAft>
-                <a:spcPts val="0"/>
-              </a:spcAft>
-              <a:buNone/>
-            </a:pPr>
-            <a:r>
-              <a:rPr lang="en-US" sz="1600">
+            <a:ln w="19050" cap="flat" cmpd="sng">
+              <a:solidFill>
+                <a:schemeClr val="tx1"/>
+              </a:solidFill>
+              <a:prstDash val="solid"/>
+              <a:round/>
+              <a:headEnd type="none" w="sm" len="sm"/>
+              <a:tailEnd type="none" w="sm" len="sm"/>
+            </a:ln>
+          </p:spPr>
+          <p:txBody>
+            <a:bodyPr spcFirstLastPara="1" wrap="square" lIns="91425" tIns="91425" rIns="91425" bIns="91425" anchor="ctr" anchorCtr="0">
+              <a:noAutofit/>
+            </a:bodyPr>
+            <a:lstStyle/>
+            <a:p>
+              <a:pPr marL="0" lvl="0" indent="0" algn="ctr">
+                <a:spcBef>
+                  <a:spcPts val="0"/>
+                </a:spcBef>
+                <a:spcAft>
+                  <a:spcPts val="0"/>
+                </a:spcAft>
+                <a:buNone/>
+              </a:pPr>
+              <a:r>
+                <a:rPr lang="en-US" sz="1600">
+                  <a:latin typeface="Open Sans" charset="0"/>
+                  <a:ea typeface="Open Sans" charset="0"/>
+                  <a:cs typeface="Open Sans" charset="0"/>
+                  <a:sym typeface="Open Sans"/>
+                </a:rPr>
+                <a:t>FP2</a:t>
+              </a:r>
+              <a:endParaRPr sz="1600">
                 <a:latin typeface="Open Sans" charset="0"/>
                 <a:ea typeface="Open Sans" charset="0"/>
                 <a:cs typeface="Open Sans" charset="0"/>
                 <a:sym typeface="Open Sans"/>
-              </a:rPr>
-              <a:t>FP2</a:t>
-            </a:r>
-            <a:endParaRPr sz="1600">
-              <a:latin typeface="Open Sans" charset="0"/>
-              <a:ea typeface="Open Sans" charset="0"/>
-              <a:cs typeface="Open Sans" charset="0"/>
-              <a:sym typeface="Open Sans"/>
-            </a:endParaRPr>
-          </a:p>
-        </p:txBody>
-      </p:sp>
-      <p:cxnSp>
-        <p:nvCxnSpPr>
-          <p:cNvPr id="138" name="Google Shape;138;p10"/>
-          <p:cNvCxnSpPr>
-            <a:stCxn id="130" idx="6"/>
-            <a:endCxn id="136" idx="1"/>
-          </p:cNvCxnSpPr>
-          <p:nvPr/>
-        </p:nvCxnSpPr>
-        <p:spPr>
-          <a:xfrm>
-            <a:off x="1854825" y="1498775"/>
-            <a:ext cx="1663200" cy="539100"/>
-          </a:xfrm>
-          <a:prstGeom prst="straightConnector1">
-            <a:avLst/>
-          </a:prstGeom>
-          <a:noFill/>
-          <a:ln w="19050" cap="flat" cmpd="sng">
+              </a:endParaRPr>
+            </a:p>
+          </p:txBody>
+        </p:sp>
+        <p:cxnSp>
+          <p:nvCxnSpPr>
+            <p:cNvPr id="138" name="Google Shape;138;p10"/>
+            <p:cNvCxnSpPr>
+              <a:stCxn id="130" idx="6"/>
+              <a:endCxn id="136" idx="1"/>
+            </p:cNvCxnSpPr>
+            <p:nvPr/>
+          </p:nvCxnSpPr>
+          <p:spPr>
+            <a:xfrm>
+              <a:off x="1854825" y="1498775"/>
+              <a:ext cx="1663200" cy="539100"/>
+            </a:xfrm>
+            <a:prstGeom prst="straightConnector1">
+              <a:avLst/>
+            </a:prstGeom>
+            <a:noFill/>
+            <a:ln w="19050" cap="flat" cmpd="sng">
+              <a:solidFill>
+                <a:schemeClr val="tx1"/>
+              </a:solidFill>
+              <a:prstDash val="solid"/>
+              <a:round/>
+              <a:headEnd type="none" w="med" len="med"/>
+              <a:tailEnd type="triangle" w="med" len="med"/>
+            </a:ln>
+          </p:spPr>
+        </p:cxnSp>
+        <p:cxnSp>
+          <p:nvCxnSpPr>
+            <p:cNvPr id="139" name="Google Shape;139;p10"/>
+            <p:cNvCxnSpPr>
+              <a:stCxn id="132" idx="6"/>
+              <a:endCxn id="136" idx="1"/>
+            </p:cNvCxnSpPr>
+            <p:nvPr/>
+          </p:nvCxnSpPr>
+          <p:spPr>
+            <a:xfrm>
+              <a:off x="1854825" y="2037938"/>
+              <a:ext cx="1663200" cy="0"/>
+            </a:xfrm>
+            <a:prstGeom prst="straightConnector1">
+              <a:avLst/>
+            </a:prstGeom>
+            <a:noFill/>
+            <a:ln w="19050" cap="flat" cmpd="sng">
+              <a:solidFill>
+                <a:schemeClr val="tx1"/>
+              </a:solidFill>
+              <a:prstDash val="solid"/>
+              <a:round/>
+              <a:headEnd type="none" w="med" len="med"/>
+              <a:tailEnd type="triangle" w="med" len="med"/>
+            </a:ln>
+          </p:spPr>
+        </p:cxnSp>
+        <p:cxnSp>
+          <p:nvCxnSpPr>
+            <p:cNvPr id="140" name="Google Shape;140;p10"/>
+            <p:cNvCxnSpPr>
+              <a:stCxn id="133" idx="6"/>
+              <a:endCxn id="136" idx="1"/>
+            </p:cNvCxnSpPr>
+            <p:nvPr/>
+          </p:nvCxnSpPr>
+          <p:spPr>
+            <a:xfrm rot="10800000" flipH="1">
+              <a:off x="1854825" y="2038001"/>
+              <a:ext cx="1663200" cy="539100"/>
+            </a:xfrm>
+            <a:prstGeom prst="straightConnector1">
+              <a:avLst/>
+            </a:prstGeom>
+            <a:noFill/>
+            <a:ln w="19050" cap="flat" cmpd="sng">
+              <a:solidFill>
+                <a:schemeClr val="tx1"/>
+              </a:solidFill>
+              <a:prstDash val="solid"/>
+              <a:round/>
+              <a:headEnd type="none" w="med" len="med"/>
+              <a:tailEnd type="triangle" w="med" len="med"/>
+            </a:ln>
+          </p:spPr>
+        </p:cxnSp>
+        <p:cxnSp>
+          <p:nvCxnSpPr>
+            <p:cNvPr id="141" name="Google Shape;141;p10"/>
+            <p:cNvCxnSpPr>
+              <a:stCxn id="134" idx="6"/>
+              <a:endCxn id="137" idx="1"/>
+            </p:cNvCxnSpPr>
+            <p:nvPr/>
+          </p:nvCxnSpPr>
+          <p:spPr>
+            <a:xfrm>
+              <a:off x="1854825" y="3116263"/>
+              <a:ext cx="1663200" cy="539100"/>
+            </a:xfrm>
+            <a:prstGeom prst="straightConnector1">
+              <a:avLst/>
+            </a:prstGeom>
+            <a:noFill/>
+            <a:ln w="19050" cap="flat" cmpd="sng">
+              <a:solidFill>
+                <a:schemeClr val="tx1"/>
+              </a:solidFill>
+              <a:prstDash val="dash"/>
+              <a:round/>
+              <a:headEnd type="none" w="med" len="med"/>
+              <a:tailEnd type="triangle" w="med" len="med"/>
+            </a:ln>
+          </p:spPr>
+        </p:cxnSp>
+        <p:cxnSp>
+          <p:nvCxnSpPr>
+            <p:cNvPr id="142" name="Google Shape;142;p10"/>
+            <p:cNvCxnSpPr>
+              <a:stCxn id="131" idx="6"/>
+              <a:endCxn id="137" idx="1"/>
+            </p:cNvCxnSpPr>
+            <p:nvPr/>
+          </p:nvCxnSpPr>
+          <p:spPr>
+            <a:xfrm>
+              <a:off x="1854825" y="3655426"/>
+              <a:ext cx="1663200" cy="0"/>
+            </a:xfrm>
+            <a:prstGeom prst="straightConnector1">
+              <a:avLst/>
+            </a:prstGeom>
+            <a:noFill/>
+            <a:ln w="19050" cap="flat" cmpd="sng">
+              <a:solidFill>
+                <a:schemeClr val="tx1"/>
+              </a:solidFill>
+              <a:prstDash val="solid"/>
+              <a:round/>
+              <a:headEnd type="none" w="med" len="med"/>
+              <a:tailEnd type="triangle" w="med" len="med"/>
+            </a:ln>
+          </p:spPr>
+        </p:cxnSp>
+        <p:cxnSp>
+          <p:nvCxnSpPr>
+            <p:cNvPr id="143" name="Google Shape;143;p10"/>
+            <p:cNvCxnSpPr>
+              <a:stCxn id="135" idx="6"/>
+              <a:endCxn id="137" idx="1"/>
+            </p:cNvCxnSpPr>
+            <p:nvPr/>
+          </p:nvCxnSpPr>
+          <p:spPr>
+            <a:xfrm rot="10800000" flipH="1">
+              <a:off x="1854825" y="3655489"/>
+              <a:ext cx="1663200" cy="539100"/>
+            </a:xfrm>
+            <a:prstGeom prst="straightConnector1">
+              <a:avLst/>
+            </a:prstGeom>
+            <a:noFill/>
+            <a:ln w="19050" cap="flat" cmpd="sng">
+              <a:solidFill>
+                <a:schemeClr val="tx1"/>
+              </a:solidFill>
+              <a:prstDash val="solid"/>
+              <a:round/>
+              <a:headEnd type="none" w="med" len="med"/>
+              <a:tailEnd type="triangle" w="med" len="med"/>
+            </a:ln>
+          </p:spPr>
+        </p:cxnSp>
+        <p:sp>
+          <p:nvSpPr>
+            <p:cNvPr id="144" name="Google Shape;144;p10"/>
+            <p:cNvSpPr/>
+            <p:nvPr/>
+          </p:nvSpPr>
+          <p:spPr>
+            <a:xfrm rot="16200000">
+              <a:off x="5553699" y="1588700"/>
+              <a:ext cx="609300" cy="898500"/>
+            </a:xfrm>
+            <a:prstGeom prst="trapezoid">
+              <a:avLst>
+                <a:gd name="adj" fmla="val 25000"/>
+              </a:avLst>
+            </a:prstGeom>
             <a:solidFill>
-              <a:schemeClr val="tx1"/>
+              <a:srgbClr val="D9D2E9"/>
             </a:solidFill>
-            <a:prstDash val="solid"/>
-            <a:round/>
-            <a:headEnd type="none" w="med" len="med"/>
-            <a:tailEnd type="triangle" w="med" len="med"/>
-          </a:ln>
-        </p:spPr>
-      </p:cxnSp>
-      <p:cxnSp>
-        <p:nvCxnSpPr>
-          <p:cNvPr id="139" name="Google Shape;139;p10"/>
-          <p:cNvCxnSpPr>
-            <a:stCxn id="132" idx="6"/>
-            <a:endCxn id="136" idx="1"/>
-          </p:cNvCxnSpPr>
-          <p:nvPr/>
-        </p:nvCxnSpPr>
-        <p:spPr>
-          <a:xfrm>
-            <a:off x="1854825" y="2037938"/>
-            <a:ext cx="1663200" cy="0"/>
-          </a:xfrm>
-          <a:prstGeom prst="straightConnector1">
-            <a:avLst/>
-          </a:prstGeom>
-          <a:noFill/>
-          <a:ln w="19050" cap="flat" cmpd="sng">
+            <a:ln w="19050" cap="flat" cmpd="sng">
+              <a:solidFill>
+                <a:schemeClr val="tx1"/>
+              </a:solidFill>
+              <a:prstDash val="solid"/>
+              <a:round/>
+              <a:headEnd type="none" w="sm" len="sm"/>
+              <a:tailEnd type="none" w="sm" len="sm"/>
+            </a:ln>
+          </p:spPr>
+          <p:txBody>
+            <a:bodyPr spcFirstLastPara="1" wrap="square" lIns="91425" tIns="91425" rIns="91425" bIns="91425" anchor="ctr" anchorCtr="0">
+              <a:noAutofit/>
+            </a:bodyPr>
+            <a:lstStyle/>
+            <a:p>
+              <a:pPr marL="0" lvl="0" indent="0">
+                <a:spcBef>
+                  <a:spcPts val="0"/>
+                </a:spcBef>
+                <a:spcAft>
+                  <a:spcPts val="0"/>
+                </a:spcAft>
+                <a:buNone/>
+              </a:pPr>
+              <a:endParaRPr sz="1600">
+                <a:latin typeface="Open Sans" charset="0"/>
+                <a:ea typeface="Open Sans" charset="0"/>
+                <a:cs typeface="Open Sans" charset="0"/>
+              </a:endParaRPr>
+            </a:p>
+          </p:txBody>
+        </p:sp>
+        <p:sp>
+          <p:nvSpPr>
+            <p:cNvPr id="145" name="Google Shape;145;p10"/>
+            <p:cNvSpPr/>
+            <p:nvPr/>
+          </p:nvSpPr>
+          <p:spPr>
+            <a:xfrm rot="16200000">
+              <a:off x="5570649" y="3198072"/>
+              <a:ext cx="575400" cy="914700"/>
+            </a:xfrm>
+            <a:prstGeom prst="trapezoid">
+              <a:avLst>
+                <a:gd name="adj" fmla="val 25000"/>
+              </a:avLst>
+            </a:prstGeom>
             <a:solidFill>
-              <a:schemeClr val="tx1"/>
+              <a:srgbClr val="D9D2E9"/>
             </a:solidFill>
-            <a:prstDash val="solid"/>
-            <a:round/>
-            <a:headEnd type="none" w="med" len="med"/>
-            <a:tailEnd type="triangle" w="med" len="med"/>
-          </a:ln>
-        </p:spPr>
-      </p:cxnSp>
-      <p:cxnSp>
-        <p:nvCxnSpPr>
-          <p:cNvPr id="140" name="Google Shape;140;p10"/>
-          <p:cNvCxnSpPr>
-            <a:stCxn id="133" idx="6"/>
-            <a:endCxn id="136" idx="1"/>
-          </p:cNvCxnSpPr>
-          <p:nvPr/>
-        </p:nvCxnSpPr>
-        <p:spPr>
-          <a:xfrm rot="10800000" flipH="1">
-            <a:off x="1854825" y="2038001"/>
-            <a:ext cx="1663200" cy="539100"/>
-          </a:xfrm>
-          <a:prstGeom prst="straightConnector1">
-            <a:avLst/>
-          </a:prstGeom>
-          <a:noFill/>
-          <a:ln w="19050" cap="flat" cmpd="sng">
-            <a:solidFill>
-              <a:schemeClr val="tx1"/>
-            </a:solidFill>
-            <a:prstDash val="solid"/>
-            <a:round/>
-            <a:headEnd type="none" w="med" len="med"/>
-            <a:tailEnd type="triangle" w="med" len="med"/>
-          </a:ln>
-        </p:spPr>
-      </p:cxnSp>
-      <p:cxnSp>
-        <p:nvCxnSpPr>
-          <p:cNvPr id="141" name="Google Shape;141;p10"/>
-          <p:cNvCxnSpPr>
-            <a:stCxn id="134" idx="6"/>
-            <a:endCxn id="137" idx="1"/>
-          </p:cNvCxnSpPr>
-          <p:nvPr/>
-        </p:nvCxnSpPr>
-        <p:spPr>
-          <a:xfrm>
-            <a:off x="1854825" y="3116263"/>
-            <a:ext cx="1663200" cy="539100"/>
-          </a:xfrm>
-          <a:prstGeom prst="straightConnector1">
-            <a:avLst/>
-          </a:prstGeom>
-          <a:noFill/>
-          <a:ln w="19050" cap="flat" cmpd="sng">
-            <a:solidFill>
-              <a:schemeClr val="tx1"/>
-            </a:solidFill>
-            <a:prstDash val="dash"/>
-            <a:round/>
-            <a:headEnd type="none" w="med" len="med"/>
-            <a:tailEnd type="triangle" w="med" len="med"/>
-          </a:ln>
-        </p:spPr>
-      </p:cxnSp>
-      <p:cxnSp>
-        <p:nvCxnSpPr>
-          <p:cNvPr id="142" name="Google Shape;142;p10"/>
-          <p:cNvCxnSpPr>
-            <a:stCxn id="131" idx="6"/>
-            <a:endCxn id="137" idx="1"/>
-          </p:cNvCxnSpPr>
-          <p:nvPr/>
-        </p:nvCxnSpPr>
-        <p:spPr>
-          <a:xfrm>
-            <a:off x="1854825" y="3655426"/>
-            <a:ext cx="1663200" cy="0"/>
-          </a:xfrm>
-          <a:prstGeom prst="straightConnector1">
-            <a:avLst/>
-          </a:prstGeom>
-          <a:noFill/>
-          <a:ln w="19050" cap="flat" cmpd="sng">
-            <a:solidFill>
-              <a:schemeClr val="tx1"/>
-            </a:solidFill>
-            <a:prstDash val="solid"/>
-            <a:round/>
-            <a:headEnd type="none" w="med" len="med"/>
-            <a:tailEnd type="triangle" w="med" len="med"/>
-          </a:ln>
-        </p:spPr>
-      </p:cxnSp>
-      <p:cxnSp>
-        <p:nvCxnSpPr>
-          <p:cNvPr id="143" name="Google Shape;143;p10"/>
-          <p:cNvCxnSpPr>
-            <a:stCxn id="135" idx="6"/>
-            <a:endCxn id="137" idx="1"/>
-          </p:cNvCxnSpPr>
-          <p:nvPr/>
-        </p:nvCxnSpPr>
-        <p:spPr>
-          <a:xfrm rot="10800000" flipH="1">
-            <a:off x="1854825" y="3655489"/>
-            <a:ext cx="1663200" cy="539100"/>
-          </a:xfrm>
-          <a:prstGeom prst="straightConnector1">
-            <a:avLst/>
-          </a:prstGeom>
-          <a:noFill/>
-          <a:ln w="19050" cap="flat" cmpd="sng">
-            <a:solidFill>
-              <a:schemeClr val="tx1"/>
-            </a:solidFill>
-            <a:prstDash val="solid"/>
-            <a:round/>
-            <a:headEnd type="none" w="med" len="med"/>
-            <a:tailEnd type="triangle" w="med" len="med"/>
-          </a:ln>
-        </p:spPr>
-      </p:cxnSp>
-      <p:sp>
-        <p:nvSpPr>
-          <p:cNvPr id="144" name="Google Shape;144;p10"/>
-          <p:cNvSpPr/>
-          <p:nvPr/>
-        </p:nvSpPr>
-        <p:spPr>
-          <a:xfrm rot="16200000">
-            <a:off x="5553699" y="1588700"/>
-            <a:ext cx="609300" cy="898500"/>
-          </a:xfrm>
-          <a:prstGeom prst="trapezoid">
-            <a:avLst>
-              <a:gd name="adj" fmla="val 25000"/>
-            </a:avLst>
-          </a:prstGeom>
-          <a:solidFill>
-            <a:srgbClr val="D9D2E9"/>
-          </a:solidFill>
-          <a:ln w="19050" cap="flat" cmpd="sng">
-            <a:solidFill>
-              <a:schemeClr val="tx1"/>
-            </a:solidFill>
-            <a:prstDash val="solid"/>
-            <a:round/>
-            <a:headEnd type="none" w="sm" len="sm"/>
-            <a:tailEnd type="none" w="sm" len="sm"/>
-          </a:ln>
-        </p:spPr>
-        <p:txBody>
-          <a:bodyPr spcFirstLastPara="1" wrap="square" lIns="91425" tIns="91425" rIns="91425" bIns="91425" anchor="ctr" anchorCtr="0">
-            <a:noAutofit/>
-          </a:bodyPr>
-          <a:lstStyle/>
-          <a:p>
-            <a:pPr marL="0" lvl="0" indent="0">
-              <a:spcBef>
-                <a:spcPts val="0"/>
-              </a:spcBef>
-              <a:spcAft>
-                <a:spcPts val="0"/>
-              </a:spcAft>
-              <a:buNone/>
-            </a:pPr>
-            <a:endParaRPr sz="1600">
-              <a:latin typeface="Open Sans" charset="0"/>
-              <a:ea typeface="Open Sans" charset="0"/>
-              <a:cs typeface="Open Sans" charset="0"/>
-            </a:endParaRPr>
-          </a:p>
-        </p:txBody>
-      </p:sp>
-      <p:sp>
-        <p:nvSpPr>
-          <p:cNvPr id="145" name="Google Shape;145;p10"/>
-          <p:cNvSpPr/>
-          <p:nvPr/>
-        </p:nvSpPr>
-        <p:spPr>
-          <a:xfrm rot="16200000">
-            <a:off x="5570649" y="3198072"/>
-            <a:ext cx="575400" cy="914700"/>
-          </a:xfrm>
-          <a:prstGeom prst="trapezoid">
-            <a:avLst>
-              <a:gd name="adj" fmla="val 25000"/>
-            </a:avLst>
-          </a:prstGeom>
-          <a:solidFill>
-            <a:srgbClr val="D9D2E9"/>
-          </a:solidFill>
-          <a:ln w="19050" cap="flat" cmpd="sng">
-            <a:solidFill>
-              <a:schemeClr val="tx1"/>
-            </a:solidFill>
-            <a:prstDash val="solid"/>
-            <a:round/>
-            <a:headEnd type="none" w="sm" len="sm"/>
-            <a:tailEnd type="none" w="sm" len="sm"/>
-          </a:ln>
-        </p:spPr>
-        <p:txBody>
-          <a:bodyPr spcFirstLastPara="1" wrap="square" lIns="91425" tIns="91425" rIns="91425" bIns="91425" anchor="ctr" anchorCtr="0">
-            <a:noAutofit/>
-          </a:bodyPr>
-          <a:lstStyle/>
-          <a:p>
-            <a:pPr marL="0" lvl="0" indent="0">
-              <a:spcBef>
-                <a:spcPts val="0"/>
-              </a:spcBef>
-              <a:spcAft>
-                <a:spcPts val="0"/>
-              </a:spcAft>
-              <a:buNone/>
-            </a:pPr>
-            <a:endParaRPr sz="1600">
-              <a:latin typeface="Open Sans" charset="0"/>
-              <a:ea typeface="Open Sans" charset="0"/>
-              <a:cs typeface="Open Sans" charset="0"/>
-            </a:endParaRPr>
-          </a:p>
-        </p:txBody>
-      </p:sp>
-      <p:cxnSp>
-        <p:nvCxnSpPr>
-          <p:cNvPr id="146" name="Google Shape;146;p10"/>
-          <p:cNvCxnSpPr>
-            <a:stCxn id="136" idx="3"/>
-            <a:endCxn id="144" idx="0"/>
-          </p:cNvCxnSpPr>
-          <p:nvPr/>
-        </p:nvCxnSpPr>
-        <p:spPr>
-          <a:xfrm>
-            <a:off x="3974564" y="2037893"/>
-            <a:ext cx="1434600" cy="0"/>
-          </a:xfrm>
-          <a:prstGeom prst="straightConnector1">
-            <a:avLst/>
-          </a:prstGeom>
-          <a:noFill/>
-          <a:ln w="19050" cap="flat" cmpd="sng">
-            <a:solidFill>
-              <a:schemeClr val="tx1"/>
-            </a:solidFill>
-            <a:prstDash val="solid"/>
-            <a:round/>
-            <a:headEnd type="none" w="med" len="med"/>
-            <a:tailEnd type="triangle" w="med" len="med"/>
-          </a:ln>
-        </p:spPr>
-      </p:cxnSp>
-      <p:cxnSp>
-        <p:nvCxnSpPr>
-          <p:cNvPr id="147" name="Google Shape;147;p10"/>
-          <p:cNvCxnSpPr>
-            <a:stCxn id="137" idx="3"/>
-            <a:endCxn id="145" idx="0"/>
-          </p:cNvCxnSpPr>
-          <p:nvPr/>
-        </p:nvCxnSpPr>
-        <p:spPr>
-          <a:xfrm>
-            <a:off x="3974564" y="3655382"/>
-            <a:ext cx="1426500" cy="0"/>
-          </a:xfrm>
-          <a:prstGeom prst="straightConnector1">
-            <a:avLst/>
-          </a:prstGeom>
-          <a:noFill/>
-          <a:ln w="19050" cap="flat" cmpd="sng">
-            <a:solidFill>
-              <a:schemeClr val="tx1"/>
-            </a:solidFill>
-            <a:prstDash val="solid"/>
-            <a:round/>
-            <a:headEnd type="none" w="med" len="med"/>
-            <a:tailEnd type="triangle" w="med" len="med"/>
-          </a:ln>
-        </p:spPr>
-      </p:cxnSp>
-      <p:cxnSp>
-        <p:nvCxnSpPr>
-          <p:cNvPr id="148" name="Google Shape;148;p10"/>
-          <p:cNvCxnSpPr>
-            <a:stCxn id="133" idx="6"/>
-            <a:endCxn id="137" idx="1"/>
-          </p:cNvCxnSpPr>
-          <p:nvPr/>
-        </p:nvCxnSpPr>
-        <p:spPr>
-          <a:xfrm>
-            <a:off x="1854825" y="2577101"/>
-            <a:ext cx="1663200" cy="1078200"/>
-          </a:xfrm>
-          <a:prstGeom prst="straightConnector1">
-            <a:avLst/>
-          </a:prstGeom>
-          <a:noFill/>
-          <a:ln w="19050" cap="flat" cmpd="sng">
-            <a:solidFill>
-              <a:schemeClr val="tx1"/>
-            </a:solidFill>
-            <a:prstDash val="dash"/>
-            <a:round/>
-            <a:headEnd type="none" w="med" len="med"/>
-            <a:tailEnd type="triangle" w="med" len="med"/>
-          </a:ln>
-        </p:spPr>
-      </p:cxnSp>
-      <p:cxnSp>
-        <p:nvCxnSpPr>
-          <p:cNvPr id="149" name="Google Shape;149;p10"/>
-          <p:cNvCxnSpPr>
-            <a:stCxn id="134" idx="6"/>
-            <a:endCxn id="136" idx="1"/>
-          </p:cNvCxnSpPr>
-          <p:nvPr/>
-        </p:nvCxnSpPr>
-        <p:spPr>
-          <a:xfrm rot="10800000" flipH="1">
-            <a:off x="1854825" y="2037763"/>
-            <a:ext cx="1663200" cy="1078500"/>
-          </a:xfrm>
-          <a:prstGeom prst="straightConnector1">
-            <a:avLst/>
-          </a:prstGeom>
-          <a:noFill/>
-          <a:ln w="19050" cap="flat" cmpd="sng">
-            <a:solidFill>
-              <a:schemeClr val="tx1"/>
-            </a:solidFill>
-            <a:prstDash val="solid"/>
-            <a:round/>
-            <a:headEnd type="none" w="med" len="med"/>
-            <a:tailEnd type="triangle" w="med" len="med"/>
-          </a:ln>
-        </p:spPr>
-      </p:cxnSp>
-      <p:sp>
-        <p:nvSpPr>
-          <p:cNvPr id="150" name="Google Shape;150;p10"/>
-          <p:cNvSpPr txBox="1"/>
-          <p:nvPr/>
-        </p:nvSpPr>
-        <p:spPr>
-          <a:xfrm rot="1119482">
-            <a:off x="1897302" y="1460495"/>
-            <a:ext cx="1671814" cy="432888"/>
-          </a:xfrm>
-          <a:prstGeom prst="rect">
-            <a:avLst/>
-          </a:prstGeom>
-          <a:noFill/>
-          <a:ln>
+            <a:ln w="19050" cap="flat" cmpd="sng">
+              <a:solidFill>
+                <a:schemeClr val="tx1"/>
+              </a:solidFill>
+              <a:prstDash val="solid"/>
+              <a:round/>
+              <a:headEnd type="none" w="sm" len="sm"/>
+              <a:tailEnd type="none" w="sm" len="sm"/>
+            </a:ln>
+          </p:spPr>
+          <p:txBody>
+            <a:bodyPr spcFirstLastPara="1" wrap="square" lIns="91425" tIns="91425" rIns="91425" bIns="91425" anchor="ctr" anchorCtr="0">
+              <a:noAutofit/>
+            </a:bodyPr>
+            <a:lstStyle/>
+            <a:p>
+              <a:pPr marL="0" lvl="0" indent="0">
+                <a:spcBef>
+                  <a:spcPts val="0"/>
+                </a:spcBef>
+                <a:spcAft>
+                  <a:spcPts val="0"/>
+                </a:spcAft>
+                <a:buNone/>
+              </a:pPr>
+              <a:endParaRPr sz="1600">
+                <a:latin typeface="Open Sans" charset="0"/>
+                <a:ea typeface="Open Sans" charset="0"/>
+                <a:cs typeface="Open Sans" charset="0"/>
+              </a:endParaRPr>
+            </a:p>
+          </p:txBody>
+        </p:sp>
+        <p:cxnSp>
+          <p:nvCxnSpPr>
+            <p:cNvPr id="146" name="Google Shape;146;p10"/>
+            <p:cNvCxnSpPr>
+              <a:stCxn id="136" idx="3"/>
+              <a:endCxn id="144" idx="0"/>
+            </p:cNvCxnSpPr>
+            <p:nvPr/>
+          </p:nvCxnSpPr>
+          <p:spPr>
+            <a:xfrm>
+              <a:off x="3974564" y="2037893"/>
+              <a:ext cx="1434600" cy="0"/>
+            </a:xfrm>
+            <a:prstGeom prst="straightConnector1">
+              <a:avLst/>
+            </a:prstGeom>
             <a:noFill/>
-          </a:ln>
-        </p:spPr>
-        <p:txBody>
-          <a:bodyPr spcFirstLastPara="1" wrap="square" lIns="91425" tIns="91425" rIns="91425" bIns="91425" anchor="t" anchorCtr="0">
-            <a:noAutofit/>
-          </a:bodyPr>
-          <a:lstStyle/>
-          <a:p>
-            <a:pPr marL="0" lvl="0" indent="0">
-              <a:spcBef>
-                <a:spcPts val="0"/>
-              </a:spcBef>
-              <a:spcAft>
-                <a:spcPts val="0"/>
-              </a:spcAft>
-              <a:buNone/>
-            </a:pPr>
-            <a:r>
-              <a:rPr lang="en-US" sz="1600" dirty="0">
+            <a:ln w="19050" cap="flat" cmpd="sng">
+              <a:solidFill>
+                <a:schemeClr val="tx1"/>
+              </a:solidFill>
+              <a:prstDash val="solid"/>
+              <a:round/>
+              <a:headEnd type="none" w="med" len="med"/>
+              <a:tailEnd type="triangle" w="med" len="med"/>
+            </a:ln>
+          </p:spPr>
+        </p:cxnSp>
+        <p:cxnSp>
+          <p:nvCxnSpPr>
+            <p:cNvPr id="147" name="Google Shape;147;p10"/>
+            <p:cNvCxnSpPr>
+              <a:stCxn id="137" idx="3"/>
+              <a:endCxn id="145" idx="0"/>
+            </p:cNvCxnSpPr>
+            <p:nvPr/>
+          </p:nvCxnSpPr>
+          <p:spPr>
+            <a:xfrm>
+              <a:off x="3974564" y="3655382"/>
+              <a:ext cx="1426500" cy="0"/>
+            </a:xfrm>
+            <a:prstGeom prst="straightConnector1">
+              <a:avLst/>
+            </a:prstGeom>
+            <a:noFill/>
+            <a:ln w="19050" cap="flat" cmpd="sng">
+              <a:solidFill>
+                <a:schemeClr val="tx1"/>
+              </a:solidFill>
+              <a:prstDash val="solid"/>
+              <a:round/>
+              <a:headEnd type="none" w="med" len="med"/>
+              <a:tailEnd type="triangle" w="med" len="med"/>
+            </a:ln>
+          </p:spPr>
+        </p:cxnSp>
+        <p:cxnSp>
+          <p:nvCxnSpPr>
+            <p:cNvPr id="148" name="Google Shape;148;p10"/>
+            <p:cNvCxnSpPr>
+              <a:stCxn id="133" idx="6"/>
+              <a:endCxn id="137" idx="1"/>
+            </p:cNvCxnSpPr>
+            <p:nvPr/>
+          </p:nvCxnSpPr>
+          <p:spPr>
+            <a:xfrm>
+              <a:off x="1854825" y="2577101"/>
+              <a:ext cx="1663200" cy="1078200"/>
+            </a:xfrm>
+            <a:prstGeom prst="straightConnector1">
+              <a:avLst/>
+            </a:prstGeom>
+            <a:noFill/>
+            <a:ln w="19050" cap="flat" cmpd="sng">
+              <a:solidFill>
+                <a:schemeClr val="tx1"/>
+              </a:solidFill>
+              <a:prstDash val="dash"/>
+              <a:round/>
+              <a:headEnd type="none" w="med" len="med"/>
+              <a:tailEnd type="triangle" w="med" len="med"/>
+            </a:ln>
+          </p:spPr>
+        </p:cxnSp>
+        <p:cxnSp>
+          <p:nvCxnSpPr>
+            <p:cNvPr id="149" name="Google Shape;149;p10"/>
+            <p:cNvCxnSpPr>
+              <a:stCxn id="134" idx="6"/>
+              <a:endCxn id="136" idx="1"/>
+            </p:cNvCxnSpPr>
+            <p:nvPr/>
+          </p:nvCxnSpPr>
+          <p:spPr>
+            <a:xfrm rot="10800000" flipH="1">
+              <a:off x="1854825" y="2037763"/>
+              <a:ext cx="1663200" cy="1078500"/>
+            </a:xfrm>
+            <a:prstGeom prst="straightConnector1">
+              <a:avLst/>
+            </a:prstGeom>
+            <a:noFill/>
+            <a:ln w="19050" cap="flat" cmpd="sng">
+              <a:solidFill>
+                <a:schemeClr val="tx1"/>
+              </a:solidFill>
+              <a:prstDash val="solid"/>
+              <a:round/>
+              <a:headEnd type="none" w="med" len="med"/>
+              <a:tailEnd type="triangle" w="med" len="med"/>
+            </a:ln>
+          </p:spPr>
+        </p:cxnSp>
+        <p:sp>
+          <p:nvSpPr>
+            <p:cNvPr id="150" name="Google Shape;150;p10"/>
+            <p:cNvSpPr txBox="1"/>
+            <p:nvPr/>
+          </p:nvSpPr>
+          <p:spPr>
+            <a:xfrm rot="1119482">
+              <a:off x="1897302" y="1460495"/>
+              <a:ext cx="1671814" cy="432888"/>
+            </a:xfrm>
+            <a:prstGeom prst="rect">
+              <a:avLst/>
+            </a:prstGeom>
+            <a:noFill/>
+            <a:ln>
+              <a:noFill/>
+            </a:ln>
+          </p:spPr>
+          <p:txBody>
+            <a:bodyPr spcFirstLastPara="1" wrap="square" lIns="91425" tIns="91425" rIns="91425" bIns="91425" anchor="t" anchorCtr="0">
+              <a:noAutofit/>
+            </a:bodyPr>
+            <a:lstStyle/>
+            <a:p>
+              <a:pPr marL="0" lvl="0" indent="0">
+                <a:spcBef>
+                  <a:spcPts val="0"/>
+                </a:spcBef>
+                <a:spcAft>
+                  <a:spcPts val="0"/>
+                </a:spcAft>
+                <a:buNone/>
+              </a:pPr>
+              <a:r>
+                <a:rPr lang="en-US" sz="1600" dirty="0">
+                  <a:latin typeface="Open Sans" charset="0"/>
+                  <a:ea typeface="Open Sans" charset="0"/>
+                  <a:cs typeface="Open Sans" charset="0"/>
+                  <a:sym typeface="Open Sans"/>
+                </a:rPr>
+                <a:t>steam &amp; water</a:t>
+              </a:r>
+              <a:endParaRPr sz="1600" dirty="0">
                 <a:latin typeface="Open Sans" charset="0"/>
                 <a:ea typeface="Open Sans" charset="0"/>
                 <a:cs typeface="Open Sans" charset="0"/>
                 <a:sym typeface="Open Sans"/>
-              </a:rPr>
-              <a:t>steam &amp; water</a:t>
-            </a:r>
-            <a:endParaRPr sz="1600" dirty="0">
-              <a:latin typeface="Open Sans" charset="0"/>
-              <a:ea typeface="Open Sans" charset="0"/>
-              <a:cs typeface="Open Sans" charset="0"/>
-              <a:sym typeface="Open Sans"/>
-            </a:endParaRPr>
-          </a:p>
-        </p:txBody>
-      </p:sp>
-      <p:sp>
-        <p:nvSpPr>
-          <p:cNvPr id="151" name="Google Shape;151;p10"/>
-          <p:cNvSpPr txBox="1"/>
-          <p:nvPr/>
-        </p:nvSpPr>
-        <p:spPr>
-          <a:xfrm>
-            <a:off x="5257569" y="1734787"/>
-            <a:ext cx="1121827" cy="356427"/>
-          </a:xfrm>
-          <a:prstGeom prst="rect">
-            <a:avLst/>
-          </a:prstGeom>
-          <a:noFill/>
-          <a:ln>
+              </a:endParaRPr>
+            </a:p>
+          </p:txBody>
+        </p:sp>
+        <p:sp>
+          <p:nvSpPr>
+            <p:cNvPr id="151" name="Google Shape;151;p10"/>
+            <p:cNvSpPr txBox="1"/>
+            <p:nvPr/>
+          </p:nvSpPr>
+          <p:spPr>
+            <a:xfrm>
+              <a:off x="5400999" y="1763662"/>
+              <a:ext cx="978397" cy="623145"/>
+            </a:xfrm>
+            <a:prstGeom prst="rect">
+              <a:avLst/>
+            </a:prstGeom>
             <a:noFill/>
-          </a:ln>
-        </p:spPr>
-        <p:txBody>
-          <a:bodyPr spcFirstLastPara="1" wrap="square" lIns="91425" tIns="91425" rIns="91425" bIns="91425" anchor="t" anchorCtr="0">
-            <a:noAutofit/>
-          </a:bodyPr>
-          <a:lstStyle/>
-          <a:p>
-            <a:pPr marL="0" lvl="0" indent="0" algn="r">
-              <a:spcBef>
-                <a:spcPts val="0"/>
-              </a:spcBef>
-              <a:spcAft>
-                <a:spcPts val="0"/>
-              </a:spcAft>
-              <a:buNone/>
-            </a:pPr>
-            <a:r>
-              <a:rPr lang="en-US" dirty="0">
+            <a:ln>
+              <a:noFill/>
+            </a:ln>
+          </p:spPr>
+          <p:txBody>
+            <a:bodyPr spcFirstLastPara="1" wrap="square" lIns="91425" tIns="91425" rIns="91425" bIns="91425" anchor="t" anchorCtr="0">
+              <a:noAutofit/>
+            </a:bodyPr>
+            <a:lstStyle/>
+            <a:p>
+              <a:pPr marL="0" lvl="0" indent="0" algn="r">
+                <a:spcBef>
+                  <a:spcPts val="0"/>
+                </a:spcBef>
+                <a:spcAft>
+                  <a:spcPts val="0"/>
+                </a:spcAft>
+                <a:buNone/>
+              </a:pPr>
+              <a:r>
+                <a:rPr lang="en-US" sz="1200" dirty="0">
+                  <a:latin typeface="Open Sans" charset="0"/>
+                  <a:ea typeface="Open Sans" charset="0"/>
+                  <a:cs typeface="Open Sans" charset="0"/>
+                  <a:sym typeface="Open Sans"/>
+                </a:rPr>
+                <a:t>Power Plant 1</a:t>
+              </a:r>
+              <a:endParaRPr sz="1200" dirty="0">
                 <a:latin typeface="Open Sans" charset="0"/>
                 <a:ea typeface="Open Sans" charset="0"/>
                 <a:cs typeface="Open Sans" charset="0"/>
                 <a:sym typeface="Open Sans"/>
-              </a:rPr>
-              <a:t>Power Plant 1</a:t>
-            </a:r>
-            <a:endParaRPr dirty="0">
-              <a:latin typeface="Open Sans" charset="0"/>
-              <a:ea typeface="Open Sans" charset="0"/>
-              <a:cs typeface="Open Sans" charset="0"/>
-              <a:sym typeface="Open Sans"/>
-            </a:endParaRPr>
-          </a:p>
-        </p:txBody>
-      </p:sp>
-      <p:sp>
-        <p:nvSpPr>
-          <p:cNvPr id="152" name="Google Shape;152;p10"/>
-          <p:cNvSpPr txBox="1"/>
-          <p:nvPr/>
-        </p:nvSpPr>
-        <p:spPr>
-          <a:xfrm>
-            <a:off x="5443266" y="3367063"/>
-            <a:ext cx="936130" cy="395750"/>
-          </a:xfrm>
-          <a:prstGeom prst="rect">
-            <a:avLst/>
-          </a:prstGeom>
-          <a:noFill/>
-          <a:ln>
+              </a:endParaRPr>
+            </a:p>
+          </p:txBody>
+        </p:sp>
+        <p:sp>
+          <p:nvSpPr>
+            <p:cNvPr id="152" name="Google Shape;152;p10"/>
+            <p:cNvSpPr txBox="1"/>
+            <p:nvPr/>
+          </p:nvSpPr>
+          <p:spPr>
+            <a:xfrm>
+              <a:off x="5443266" y="3376688"/>
+              <a:ext cx="936130" cy="827526"/>
+            </a:xfrm>
+            <a:prstGeom prst="rect">
+              <a:avLst/>
+            </a:prstGeom>
             <a:noFill/>
-          </a:ln>
-        </p:spPr>
-        <p:txBody>
-          <a:bodyPr spcFirstLastPara="1" wrap="square" lIns="91425" tIns="91425" rIns="91425" bIns="91425" anchor="t" anchorCtr="0">
-            <a:noAutofit/>
-          </a:bodyPr>
-          <a:lstStyle/>
-          <a:p>
-            <a:pPr marL="0" lvl="0" indent="0" algn="r" rtl="0">
-              <a:spcBef>
-                <a:spcPts val="0"/>
-              </a:spcBef>
-              <a:spcAft>
-                <a:spcPts val="0"/>
-              </a:spcAft>
-              <a:buNone/>
-            </a:pPr>
-            <a:r>
-              <a:rPr lang="en-US" dirty="0">
+            <a:ln>
+              <a:noFill/>
+            </a:ln>
+          </p:spPr>
+          <p:txBody>
+            <a:bodyPr spcFirstLastPara="1" wrap="square" lIns="91425" tIns="91425" rIns="91425" bIns="91425" anchor="t" anchorCtr="0">
+              <a:noAutofit/>
+            </a:bodyPr>
+            <a:lstStyle/>
+            <a:p>
+              <a:pPr marL="0" lvl="0" indent="0" algn="r" rtl="0">
+                <a:spcBef>
+                  <a:spcPts val="0"/>
+                </a:spcBef>
+                <a:spcAft>
+                  <a:spcPts val="0"/>
+                </a:spcAft>
+                <a:buNone/>
+              </a:pPr>
+              <a:r>
+                <a:rPr lang="en-US" sz="1200" dirty="0">
+                  <a:latin typeface="Open Sans" charset="0"/>
+                  <a:ea typeface="Open Sans" charset="0"/>
+                  <a:cs typeface="Open Sans" charset="0"/>
+                  <a:sym typeface="Open Sans"/>
+                </a:rPr>
+                <a:t>Power Plant 2</a:t>
+              </a:r>
+              <a:endParaRPr sz="1200" dirty="0">
                 <a:latin typeface="Open Sans" charset="0"/>
                 <a:ea typeface="Open Sans" charset="0"/>
                 <a:cs typeface="Open Sans" charset="0"/>
                 <a:sym typeface="Open Sans"/>
-              </a:rPr>
-              <a:t>Power Plant 2</a:t>
-            </a:r>
-            <a:endParaRPr dirty="0">
-              <a:latin typeface="Open Sans" charset="0"/>
-              <a:ea typeface="Open Sans" charset="0"/>
-              <a:cs typeface="Open Sans" charset="0"/>
-              <a:sym typeface="Open Sans"/>
-            </a:endParaRPr>
-          </a:p>
-        </p:txBody>
-      </p:sp>
-      <p:sp>
-        <p:nvSpPr>
-          <p:cNvPr id="153" name="Google Shape;153;p10"/>
-          <p:cNvSpPr txBox="1"/>
-          <p:nvPr/>
-        </p:nvSpPr>
-        <p:spPr>
-          <a:xfrm rot="21599317">
-            <a:off x="3890198" y="1730452"/>
-            <a:ext cx="1510800" cy="432900"/>
-          </a:xfrm>
-          <a:prstGeom prst="rect">
-            <a:avLst/>
-          </a:prstGeom>
-          <a:noFill/>
-          <a:ln>
+              </a:endParaRPr>
+            </a:p>
+          </p:txBody>
+        </p:sp>
+        <p:sp>
+          <p:nvSpPr>
+            <p:cNvPr id="153" name="Google Shape;153;p10"/>
+            <p:cNvSpPr txBox="1"/>
+            <p:nvPr/>
+          </p:nvSpPr>
+          <p:spPr>
+            <a:xfrm rot="21599317">
+              <a:off x="3890198" y="1730452"/>
+              <a:ext cx="1510800" cy="432900"/>
+            </a:xfrm>
+            <a:prstGeom prst="rect">
+              <a:avLst/>
+            </a:prstGeom>
             <a:noFill/>
-          </a:ln>
-        </p:spPr>
-        <p:txBody>
-          <a:bodyPr spcFirstLastPara="1" wrap="square" lIns="91425" tIns="91425" rIns="91425" bIns="91425" anchor="t" anchorCtr="0">
-            <a:noAutofit/>
-          </a:bodyPr>
-          <a:lstStyle/>
-          <a:p>
-            <a:pPr marL="0" lvl="0" indent="0" algn="ctr" rtl="0">
-              <a:spcBef>
-                <a:spcPts val="0"/>
-              </a:spcBef>
-              <a:spcAft>
-                <a:spcPts val="0"/>
-              </a:spcAft>
-              <a:buNone/>
-            </a:pPr>
-            <a:r>
-              <a:rPr lang="en-US" sz="1600">
+            <a:ln>
+              <a:noFill/>
+            </a:ln>
+          </p:spPr>
+          <p:txBody>
+            <a:bodyPr spcFirstLastPara="1" wrap="square" lIns="91425" tIns="91425" rIns="91425" bIns="91425" anchor="t" anchorCtr="0">
+              <a:noAutofit/>
+            </a:bodyPr>
+            <a:lstStyle/>
+            <a:p>
+              <a:pPr marL="0" lvl="0" indent="0" algn="ctr" rtl="0">
+                <a:spcBef>
+                  <a:spcPts val="0"/>
+                </a:spcBef>
+                <a:spcAft>
+                  <a:spcPts val="0"/>
+                </a:spcAft>
+                <a:buNone/>
+              </a:pPr>
+              <a:r>
+                <a:rPr lang="en-US" sz="1600">
+                  <a:latin typeface="Open Sans" charset="0"/>
+                  <a:ea typeface="Open Sans" charset="0"/>
+                  <a:cs typeface="Open Sans" charset="0"/>
+                  <a:sym typeface="Open Sans"/>
+                </a:rPr>
+                <a:t>steam</a:t>
+              </a:r>
+              <a:endParaRPr sz="1600">
                 <a:latin typeface="Open Sans" charset="0"/>
                 <a:ea typeface="Open Sans" charset="0"/>
                 <a:cs typeface="Open Sans" charset="0"/>
                 <a:sym typeface="Open Sans"/>
-              </a:rPr>
-              <a:t>steam</a:t>
-            </a:r>
-            <a:endParaRPr sz="1600">
-              <a:latin typeface="Open Sans" charset="0"/>
-              <a:ea typeface="Open Sans" charset="0"/>
-              <a:cs typeface="Open Sans" charset="0"/>
-              <a:sym typeface="Open Sans"/>
-            </a:endParaRPr>
-          </a:p>
-        </p:txBody>
-      </p:sp>
-      <p:cxnSp>
-        <p:nvCxnSpPr>
-          <p:cNvPr id="154" name="Google Shape;154;p10"/>
-          <p:cNvCxnSpPr>
-            <a:stCxn id="136" idx="2"/>
-            <a:endCxn id="155" idx="0"/>
-          </p:cNvCxnSpPr>
-          <p:nvPr/>
-        </p:nvCxnSpPr>
-        <p:spPr>
-          <a:xfrm rot="16200000" flipH="1">
-            <a:off x="4898114" y="1288193"/>
-            <a:ext cx="371700" cy="2675400"/>
-          </a:xfrm>
-          <a:prstGeom prst="bentConnector2">
-            <a:avLst/>
-          </a:prstGeom>
-          <a:noFill/>
-          <a:ln w="19050" cap="flat" cmpd="sng">
+              </a:endParaRPr>
+            </a:p>
+          </p:txBody>
+        </p:sp>
+        <p:cxnSp>
+          <p:nvCxnSpPr>
+            <p:cNvPr id="154" name="Google Shape;154;p10"/>
+            <p:cNvCxnSpPr>
+              <a:stCxn id="136" idx="2"/>
+              <a:endCxn id="155" idx="0"/>
+            </p:cNvCxnSpPr>
+            <p:nvPr/>
+          </p:nvCxnSpPr>
+          <p:spPr>
+            <a:xfrm rot="16200000" flipH="1">
+              <a:off x="4898114" y="1288193"/>
+              <a:ext cx="371700" cy="2675400"/>
+            </a:xfrm>
+            <a:prstGeom prst="bentConnector2">
+              <a:avLst/>
+            </a:prstGeom>
+            <a:noFill/>
+            <a:ln w="19050" cap="flat" cmpd="sng">
+              <a:solidFill>
+                <a:schemeClr val="tx1"/>
+              </a:solidFill>
+              <a:prstDash val="solid"/>
+              <a:round/>
+              <a:headEnd type="none" w="med" len="med"/>
+              <a:tailEnd type="triangle" w="med" len="med"/>
+            </a:ln>
+          </p:spPr>
+        </p:cxnSp>
+        <p:sp>
+          <p:nvSpPr>
+            <p:cNvPr id="156" name="Google Shape;156;p10"/>
+            <p:cNvSpPr/>
+            <p:nvPr/>
+          </p:nvSpPr>
+          <p:spPr>
+            <a:xfrm rot="16200000">
+              <a:off x="6606850" y="4077900"/>
+              <a:ext cx="528000" cy="456600"/>
+            </a:xfrm>
+            <a:prstGeom prst="triangle">
+              <a:avLst>
+                <a:gd name="adj" fmla="val 50000"/>
+              </a:avLst>
+            </a:prstGeom>
             <a:solidFill>
-              <a:schemeClr val="tx1"/>
+              <a:srgbClr val="B6D7A8"/>
             </a:solidFill>
-            <a:prstDash val="solid"/>
-            <a:round/>
-            <a:headEnd type="none" w="med" len="med"/>
-            <a:tailEnd type="triangle" w="med" len="med"/>
-          </a:ln>
-        </p:spPr>
-      </p:cxnSp>
-      <p:sp>
-        <p:nvSpPr>
-          <p:cNvPr id="156" name="Google Shape;156;p10"/>
-          <p:cNvSpPr/>
-          <p:nvPr/>
-        </p:nvSpPr>
-        <p:spPr>
-          <a:xfrm rot="16200000">
-            <a:off x="6606850" y="4077900"/>
-            <a:ext cx="528000" cy="456600"/>
-          </a:xfrm>
-          <a:prstGeom prst="triangle">
-            <a:avLst>
-              <a:gd name="adj" fmla="val 50000"/>
-            </a:avLst>
-          </a:prstGeom>
-          <a:solidFill>
-            <a:srgbClr val="B6D7A8"/>
-          </a:solidFill>
-          <a:ln w="19050" cap="flat" cmpd="sng">
-            <a:solidFill>
-              <a:schemeClr val="tx1"/>
-            </a:solidFill>
-            <a:prstDash val="solid"/>
-            <a:round/>
-            <a:headEnd type="none" w="sm" len="sm"/>
-            <a:tailEnd type="none" w="sm" len="sm"/>
-          </a:ln>
-        </p:spPr>
-        <p:txBody>
-          <a:bodyPr spcFirstLastPara="1" wrap="square" lIns="91425" tIns="91425" rIns="91425" bIns="91425" anchor="ctr" anchorCtr="0">
-            <a:noAutofit/>
-          </a:bodyPr>
-          <a:lstStyle/>
-          <a:p>
-            <a:pPr marL="0" marR="0" lvl="0" indent="0" algn="ctr" rtl="0">
-              <a:lnSpc>
-                <a:spcPct val="100000"/>
-              </a:lnSpc>
-              <a:spcBef>
-                <a:spcPts val="0"/>
-              </a:spcBef>
-              <a:spcAft>
-                <a:spcPts val="0"/>
-              </a:spcAft>
-              <a:buNone/>
-            </a:pPr>
-            <a:endParaRPr sz="1600">
-              <a:latin typeface="Open Sans" charset="0"/>
-              <a:ea typeface="Open Sans" charset="0"/>
-              <a:cs typeface="Open Sans" charset="0"/>
-              <a:sym typeface="Open Sans"/>
-            </a:endParaRPr>
-          </a:p>
-        </p:txBody>
-      </p:sp>
-      <p:sp>
-        <p:nvSpPr>
-          <p:cNvPr id="155" name="Google Shape;155;p10"/>
-          <p:cNvSpPr/>
-          <p:nvPr/>
-        </p:nvSpPr>
-        <p:spPr>
-          <a:xfrm rot="16200000">
-            <a:off x="6566199" y="2362375"/>
-            <a:ext cx="609300" cy="898500"/>
-          </a:xfrm>
-          <a:prstGeom prst="trapezoid">
-            <a:avLst>
-              <a:gd name="adj" fmla="val 25000"/>
-            </a:avLst>
-          </a:prstGeom>
-          <a:solidFill>
-            <a:srgbClr val="D9D2E9"/>
-          </a:solidFill>
-          <a:ln w="19050" cap="flat" cmpd="sng">
-            <a:solidFill>
-              <a:schemeClr val="tx1"/>
-            </a:solidFill>
-            <a:prstDash val="solid"/>
-            <a:round/>
-            <a:headEnd type="none" w="sm" len="sm"/>
-            <a:tailEnd type="none" w="sm" len="sm"/>
-          </a:ln>
-        </p:spPr>
-        <p:txBody>
-          <a:bodyPr spcFirstLastPara="1" wrap="square" lIns="91425" tIns="91425" rIns="91425" bIns="91425" anchor="ctr" anchorCtr="0">
-            <a:noAutofit/>
-          </a:bodyPr>
-          <a:lstStyle/>
-          <a:p>
-            <a:pPr marL="0" lvl="0" indent="0" rtl="0">
-              <a:spcBef>
-                <a:spcPts val="0"/>
-              </a:spcBef>
-              <a:spcAft>
-                <a:spcPts val="0"/>
-              </a:spcAft>
-              <a:buNone/>
-            </a:pPr>
-            <a:endParaRPr sz="1600">
-              <a:latin typeface="Open Sans" charset="0"/>
-              <a:ea typeface="Open Sans" charset="0"/>
-              <a:cs typeface="Open Sans" charset="0"/>
-            </a:endParaRPr>
-          </a:p>
-        </p:txBody>
-      </p:sp>
-      <p:sp>
-        <p:nvSpPr>
-          <p:cNvPr id="158" name="Google Shape;158;p10"/>
-          <p:cNvSpPr txBox="1"/>
-          <p:nvPr/>
-        </p:nvSpPr>
-        <p:spPr>
-          <a:xfrm>
-            <a:off x="6570196" y="2519463"/>
-            <a:ext cx="821700" cy="274500"/>
-          </a:xfrm>
-          <a:prstGeom prst="rect">
-            <a:avLst/>
-          </a:prstGeom>
-          <a:noFill/>
-          <a:ln>
-            <a:noFill/>
-          </a:ln>
-        </p:spPr>
-        <p:txBody>
-          <a:bodyPr spcFirstLastPara="1" wrap="square" lIns="91425" tIns="91425" rIns="91425" bIns="91425" anchor="t" anchorCtr="0">
-            <a:noAutofit/>
-          </a:bodyPr>
-          <a:lstStyle/>
-          <a:p>
-            <a:pPr marL="0" lvl="0" indent="0" algn="r" rtl="0">
-              <a:spcBef>
-                <a:spcPts val="0"/>
-              </a:spcBef>
-              <a:spcAft>
-                <a:spcPts val="0"/>
-              </a:spcAft>
-              <a:buNone/>
-            </a:pPr>
-            <a:r>
-              <a:rPr lang="en-US" dirty="0">
+            <a:ln w="19050" cap="flat" cmpd="sng">
+              <a:solidFill>
+                <a:schemeClr val="tx1"/>
+              </a:solidFill>
+              <a:prstDash val="solid"/>
+              <a:round/>
+              <a:headEnd type="none" w="sm" len="sm"/>
+              <a:tailEnd type="none" w="sm" len="sm"/>
+            </a:ln>
+          </p:spPr>
+          <p:txBody>
+            <a:bodyPr spcFirstLastPara="1" wrap="square" lIns="91425" tIns="91425" rIns="91425" bIns="91425" anchor="ctr" anchorCtr="0">
+              <a:noAutofit/>
+            </a:bodyPr>
+            <a:lstStyle/>
+            <a:p>
+              <a:pPr marL="0" marR="0" lvl="0" indent="0" algn="ctr" rtl="0">
+                <a:lnSpc>
+                  <a:spcPct val="100000"/>
+                </a:lnSpc>
+                <a:spcBef>
+                  <a:spcPts val="0"/>
+                </a:spcBef>
+                <a:spcAft>
+                  <a:spcPts val="0"/>
+                </a:spcAft>
+                <a:buNone/>
+              </a:pPr>
+              <a:endParaRPr sz="1600">
                 <a:latin typeface="Open Sans" charset="0"/>
                 <a:ea typeface="Open Sans" charset="0"/>
                 <a:cs typeface="Open Sans" charset="0"/>
                 <a:sym typeface="Open Sans"/>
-              </a:rPr>
-              <a:t>Binary Plant</a:t>
-            </a:r>
-            <a:endParaRPr dirty="0">
-              <a:latin typeface="Open Sans" charset="0"/>
-              <a:ea typeface="Open Sans" charset="0"/>
-              <a:cs typeface="Open Sans" charset="0"/>
-              <a:sym typeface="Open Sans"/>
-            </a:endParaRPr>
-          </a:p>
-        </p:txBody>
-      </p:sp>
-      <p:cxnSp>
-        <p:nvCxnSpPr>
-          <p:cNvPr id="159" name="Google Shape;159;p10"/>
-          <p:cNvCxnSpPr>
-            <a:stCxn id="137" idx="2"/>
-            <a:endCxn id="156" idx="0"/>
-          </p:cNvCxnSpPr>
-          <p:nvPr/>
-        </p:nvCxnSpPr>
-        <p:spPr>
-          <a:xfrm rot="16200000" flipH="1">
-            <a:off x="5070014" y="2733782"/>
-            <a:ext cx="248700" cy="2896200"/>
-          </a:xfrm>
-          <a:prstGeom prst="bentConnector2">
-            <a:avLst/>
-          </a:prstGeom>
-          <a:noFill/>
-          <a:ln w="19050" cap="flat" cmpd="sng">
+              </a:endParaRPr>
+            </a:p>
+          </p:txBody>
+        </p:sp>
+        <p:sp>
+          <p:nvSpPr>
+            <p:cNvPr id="155" name="Google Shape;155;p10"/>
+            <p:cNvSpPr/>
+            <p:nvPr/>
+          </p:nvSpPr>
+          <p:spPr>
+            <a:xfrm rot="16200000">
+              <a:off x="6566199" y="2362375"/>
+              <a:ext cx="609300" cy="898500"/>
+            </a:xfrm>
+            <a:prstGeom prst="trapezoid">
+              <a:avLst>
+                <a:gd name="adj" fmla="val 25000"/>
+              </a:avLst>
+            </a:prstGeom>
             <a:solidFill>
-              <a:schemeClr val="tx1"/>
+              <a:srgbClr val="D9D2E9"/>
             </a:solidFill>
-            <a:prstDash val="solid"/>
-            <a:round/>
-            <a:headEnd type="none" w="med" len="med"/>
-            <a:tailEnd type="triangle" w="med" len="med"/>
-          </a:ln>
-        </p:spPr>
-      </p:cxnSp>
-      <p:sp>
-        <p:nvSpPr>
-          <p:cNvPr id="160" name="Google Shape;160;p10"/>
-          <p:cNvSpPr txBox="1"/>
-          <p:nvPr/>
-        </p:nvSpPr>
-        <p:spPr>
-          <a:xfrm rot="21599317">
-            <a:off x="3932423" y="2491247"/>
-            <a:ext cx="1510800" cy="432900"/>
-          </a:xfrm>
-          <a:prstGeom prst="rect">
-            <a:avLst/>
-          </a:prstGeom>
-          <a:noFill/>
-          <a:ln>
+            <a:ln w="19050" cap="flat" cmpd="sng">
+              <a:solidFill>
+                <a:schemeClr val="tx1"/>
+              </a:solidFill>
+              <a:prstDash val="solid"/>
+              <a:round/>
+              <a:headEnd type="none" w="sm" len="sm"/>
+              <a:tailEnd type="none" w="sm" len="sm"/>
+            </a:ln>
+          </p:spPr>
+          <p:txBody>
+            <a:bodyPr spcFirstLastPara="1" wrap="square" lIns="91425" tIns="91425" rIns="91425" bIns="91425" anchor="ctr" anchorCtr="0">
+              <a:noAutofit/>
+            </a:bodyPr>
+            <a:lstStyle/>
+            <a:p>
+              <a:pPr marL="0" lvl="0" indent="0" rtl="0">
+                <a:spcBef>
+                  <a:spcPts val="0"/>
+                </a:spcBef>
+                <a:spcAft>
+                  <a:spcPts val="0"/>
+                </a:spcAft>
+                <a:buNone/>
+              </a:pPr>
+              <a:endParaRPr sz="1600">
+                <a:latin typeface="Open Sans" charset="0"/>
+                <a:ea typeface="Open Sans" charset="0"/>
+                <a:cs typeface="Open Sans" charset="0"/>
+              </a:endParaRPr>
+            </a:p>
+          </p:txBody>
+        </p:sp>
+        <p:sp>
+          <p:nvSpPr>
+            <p:cNvPr id="158" name="Google Shape;158;p10"/>
+            <p:cNvSpPr txBox="1"/>
+            <p:nvPr/>
+          </p:nvSpPr>
+          <p:spPr>
+            <a:xfrm>
+              <a:off x="6570196" y="2519462"/>
+              <a:ext cx="821700" cy="663743"/>
+            </a:xfrm>
+            <a:prstGeom prst="rect">
+              <a:avLst/>
+            </a:prstGeom>
             <a:noFill/>
-          </a:ln>
-        </p:spPr>
-        <p:txBody>
-          <a:bodyPr spcFirstLastPara="1" wrap="square" lIns="91425" tIns="91425" rIns="91425" bIns="91425" anchor="t" anchorCtr="0">
-            <a:noAutofit/>
-          </a:bodyPr>
-          <a:lstStyle/>
-          <a:p>
-            <a:pPr marL="0" lvl="0" indent="0" algn="ctr" rtl="0">
-              <a:spcBef>
-                <a:spcPts val="0"/>
-              </a:spcBef>
-              <a:spcAft>
-                <a:spcPts val="0"/>
-              </a:spcAft>
-              <a:buNone/>
-            </a:pPr>
-            <a:r>
-              <a:rPr lang="en-US" sz="1600">
+            <a:ln>
+              <a:noFill/>
+            </a:ln>
+          </p:spPr>
+          <p:txBody>
+            <a:bodyPr spcFirstLastPara="1" wrap="square" lIns="91425" tIns="91425" rIns="91425" bIns="91425" anchor="t" anchorCtr="0">
+              <a:noAutofit/>
+            </a:bodyPr>
+            <a:lstStyle/>
+            <a:p>
+              <a:pPr marL="0" lvl="0" indent="0" algn="r" rtl="0">
+                <a:spcBef>
+                  <a:spcPts val="0"/>
+                </a:spcBef>
+                <a:spcAft>
+                  <a:spcPts val="0"/>
+                </a:spcAft>
+                <a:buNone/>
+              </a:pPr>
+              <a:r>
+                <a:rPr lang="en-US" sz="1200" dirty="0">
+                  <a:latin typeface="Open Sans" charset="0"/>
+                  <a:ea typeface="Open Sans" charset="0"/>
+                  <a:cs typeface="Open Sans" charset="0"/>
+                  <a:sym typeface="Open Sans"/>
+                </a:rPr>
+                <a:t>Binary Plant</a:t>
+              </a:r>
+              <a:endParaRPr sz="1200" dirty="0">
                 <a:latin typeface="Open Sans" charset="0"/>
                 <a:ea typeface="Open Sans" charset="0"/>
                 <a:cs typeface="Open Sans" charset="0"/>
                 <a:sym typeface="Open Sans"/>
-              </a:rPr>
-              <a:t>water</a:t>
-            </a:r>
-            <a:endParaRPr sz="1600">
-              <a:latin typeface="Open Sans" charset="0"/>
-              <a:ea typeface="Open Sans" charset="0"/>
-              <a:cs typeface="Open Sans" charset="0"/>
-              <a:sym typeface="Open Sans"/>
-            </a:endParaRPr>
-          </a:p>
-          <a:p>
-            <a:pPr marL="0" lvl="0" indent="0" algn="l" rtl="0">
-              <a:spcBef>
-                <a:spcPts val="0"/>
-              </a:spcBef>
-              <a:spcAft>
-                <a:spcPts val="0"/>
-              </a:spcAft>
-              <a:buNone/>
-            </a:pPr>
-            <a:endParaRPr sz="1600" dirty="0">
-              <a:latin typeface="Open Sans" charset="0"/>
-              <a:ea typeface="Open Sans" charset="0"/>
-              <a:cs typeface="Open Sans" charset="0"/>
-              <a:sym typeface="Open Sans"/>
-            </a:endParaRPr>
-          </a:p>
-        </p:txBody>
-      </p:sp>
-      <p:sp>
-        <p:nvSpPr>
-          <p:cNvPr id="161" name="Google Shape;161;p10"/>
-          <p:cNvSpPr txBox="1"/>
-          <p:nvPr/>
-        </p:nvSpPr>
-        <p:spPr>
-          <a:xfrm rot="21599317">
-            <a:off x="4353273" y="3983390"/>
-            <a:ext cx="1510800" cy="432900"/>
-          </a:xfrm>
-          <a:prstGeom prst="rect">
-            <a:avLst/>
-          </a:prstGeom>
-          <a:noFill/>
-          <a:ln>
+              </a:endParaRPr>
+            </a:p>
+          </p:txBody>
+        </p:sp>
+        <p:cxnSp>
+          <p:nvCxnSpPr>
+            <p:cNvPr id="159" name="Google Shape;159;p10"/>
+            <p:cNvCxnSpPr>
+              <a:stCxn id="137" idx="2"/>
+              <a:endCxn id="156" idx="0"/>
+            </p:cNvCxnSpPr>
+            <p:nvPr/>
+          </p:nvCxnSpPr>
+          <p:spPr>
+            <a:xfrm rot="16200000" flipH="1">
+              <a:off x="5070014" y="2733782"/>
+              <a:ext cx="248700" cy="2896200"/>
+            </a:xfrm>
+            <a:prstGeom prst="bentConnector2">
+              <a:avLst/>
+            </a:prstGeom>
             <a:noFill/>
-          </a:ln>
-        </p:spPr>
-        <p:txBody>
-          <a:bodyPr spcFirstLastPara="1" wrap="square" lIns="91425" tIns="91425" rIns="91425" bIns="91425" anchor="t" anchorCtr="0">
-            <a:noAutofit/>
-          </a:bodyPr>
-          <a:lstStyle/>
-          <a:p>
-            <a:pPr marL="0" lvl="0" indent="0" algn="l" rtl="0">
-              <a:spcBef>
-                <a:spcPts val="0"/>
-              </a:spcBef>
-              <a:spcAft>
-                <a:spcPts val="0"/>
-              </a:spcAft>
-              <a:buNone/>
-            </a:pPr>
-            <a:r>
-              <a:rPr lang="en-US" sz="1600" dirty="0">
+            <a:ln w="19050" cap="flat" cmpd="sng">
+              <a:solidFill>
+                <a:schemeClr val="tx1"/>
+              </a:solidFill>
+              <a:prstDash val="solid"/>
+              <a:round/>
+              <a:headEnd type="none" w="med" len="med"/>
+              <a:tailEnd type="triangle" w="med" len="med"/>
+            </a:ln>
+          </p:spPr>
+        </p:cxnSp>
+        <p:sp>
+          <p:nvSpPr>
+            <p:cNvPr id="160" name="Google Shape;160;p10"/>
+            <p:cNvSpPr txBox="1"/>
+            <p:nvPr/>
+          </p:nvSpPr>
+          <p:spPr>
+            <a:xfrm rot="21599317">
+              <a:off x="3932423" y="2491247"/>
+              <a:ext cx="1510800" cy="432900"/>
+            </a:xfrm>
+            <a:prstGeom prst="rect">
+              <a:avLst/>
+            </a:prstGeom>
+            <a:noFill/>
+            <a:ln>
+              <a:noFill/>
+            </a:ln>
+          </p:spPr>
+          <p:txBody>
+            <a:bodyPr spcFirstLastPara="1" wrap="square" lIns="91425" tIns="91425" rIns="91425" bIns="91425" anchor="t" anchorCtr="0">
+              <a:noAutofit/>
+            </a:bodyPr>
+            <a:lstStyle/>
+            <a:p>
+              <a:pPr marL="0" lvl="0" indent="0" algn="ctr" rtl="0">
+                <a:spcBef>
+                  <a:spcPts val="0"/>
+                </a:spcBef>
+                <a:spcAft>
+                  <a:spcPts val="0"/>
+                </a:spcAft>
+                <a:buNone/>
+              </a:pPr>
+              <a:r>
+                <a:rPr lang="en-US" sz="1600">
+                  <a:latin typeface="Open Sans" charset="0"/>
+                  <a:ea typeface="Open Sans" charset="0"/>
+                  <a:cs typeface="Open Sans" charset="0"/>
+                  <a:sym typeface="Open Sans"/>
+                </a:rPr>
+                <a:t>water</a:t>
+              </a:r>
+              <a:endParaRPr sz="1600">
                 <a:latin typeface="Open Sans" charset="0"/>
                 <a:ea typeface="Open Sans" charset="0"/>
                 <a:cs typeface="Open Sans" charset="0"/>
                 <a:sym typeface="Open Sans"/>
-              </a:rPr>
-              <a:t>water</a:t>
-            </a:r>
-            <a:endParaRPr sz="1600" dirty="0">
-              <a:latin typeface="Open Sans" charset="0"/>
-              <a:ea typeface="Open Sans" charset="0"/>
-              <a:cs typeface="Open Sans" charset="0"/>
-              <a:sym typeface="Open Sans"/>
-            </a:endParaRPr>
-          </a:p>
-        </p:txBody>
-      </p:sp>
-      <p:sp>
-        <p:nvSpPr>
-          <p:cNvPr id="162" name="Google Shape;162;p10"/>
-          <p:cNvSpPr txBox="1"/>
-          <p:nvPr/>
-        </p:nvSpPr>
-        <p:spPr>
-          <a:xfrm>
-            <a:off x="7151283" y="4042200"/>
-            <a:ext cx="1382619" cy="575400"/>
-          </a:xfrm>
-          <a:prstGeom prst="rect">
-            <a:avLst/>
-          </a:prstGeom>
-          <a:noFill/>
-          <a:ln>
-            <a:noFill/>
-          </a:ln>
-        </p:spPr>
-        <p:txBody>
-          <a:bodyPr spcFirstLastPara="1" wrap="square" lIns="91425" tIns="91425" rIns="91425" bIns="91425" anchor="ctr" anchorCtr="0">
-            <a:noAutofit/>
-          </a:bodyPr>
-          <a:lstStyle/>
-          <a:p>
-            <a:pPr marL="0" lvl="0" indent="0">
-              <a:spcBef>
-                <a:spcPts val="0"/>
-              </a:spcBef>
-              <a:spcAft>
-                <a:spcPts val="0"/>
-              </a:spcAft>
-              <a:buNone/>
-            </a:pPr>
-            <a:r>
-              <a:rPr lang="en-US" sz="1600" dirty="0">
+              </a:endParaRPr>
+            </a:p>
+            <a:p>
+              <a:pPr marL="0" lvl="0" indent="0" algn="l" rtl="0">
+                <a:spcBef>
+                  <a:spcPts val="0"/>
+                </a:spcBef>
+                <a:spcAft>
+                  <a:spcPts val="0"/>
+                </a:spcAft>
+                <a:buNone/>
+              </a:pPr>
+              <a:endParaRPr sz="1600" dirty="0">
                 <a:latin typeface="Open Sans" charset="0"/>
                 <a:ea typeface="Open Sans" charset="0"/>
                 <a:cs typeface="Open Sans" charset="0"/>
                 <a:sym typeface="Open Sans"/>
-              </a:rPr>
-              <a:t>reinjection, prawn farm, </a:t>
-            </a:r>
-            <a:r>
-              <a:rPr lang="en-US" sz="1600" dirty="0" smtClean="0">
+              </a:endParaRPr>
+            </a:p>
+          </p:txBody>
+        </p:sp>
+        <p:sp>
+          <p:nvSpPr>
+            <p:cNvPr id="161" name="Google Shape;161;p10"/>
+            <p:cNvSpPr txBox="1"/>
+            <p:nvPr/>
+          </p:nvSpPr>
+          <p:spPr>
+            <a:xfrm rot="21599317">
+              <a:off x="4353273" y="3983390"/>
+              <a:ext cx="1510800" cy="432900"/>
+            </a:xfrm>
+            <a:prstGeom prst="rect">
+              <a:avLst/>
+            </a:prstGeom>
+            <a:noFill/>
+            <a:ln>
+              <a:noFill/>
+            </a:ln>
+          </p:spPr>
+          <p:txBody>
+            <a:bodyPr spcFirstLastPara="1" wrap="square" lIns="91425" tIns="91425" rIns="91425" bIns="91425" anchor="t" anchorCtr="0">
+              <a:noAutofit/>
+            </a:bodyPr>
+            <a:lstStyle/>
+            <a:p>
+              <a:pPr marL="0" lvl="0" indent="0" algn="l" rtl="0">
+                <a:spcBef>
+                  <a:spcPts val="0"/>
+                </a:spcBef>
+                <a:spcAft>
+                  <a:spcPts val="0"/>
+                </a:spcAft>
+                <a:buNone/>
+              </a:pPr>
+              <a:r>
+                <a:rPr lang="en-US" sz="1600" dirty="0">
+                  <a:latin typeface="Open Sans" charset="0"/>
+                  <a:ea typeface="Open Sans" charset="0"/>
+                  <a:cs typeface="Open Sans" charset="0"/>
+                  <a:sym typeface="Open Sans"/>
+                </a:rPr>
+                <a:t>water</a:t>
+              </a:r>
+              <a:endParaRPr sz="1600" dirty="0">
                 <a:latin typeface="Open Sans" charset="0"/>
                 <a:ea typeface="Open Sans" charset="0"/>
                 <a:cs typeface="Open Sans" charset="0"/>
                 <a:sym typeface="Open Sans"/>
-              </a:rPr>
-              <a:t>etc.</a:t>
-            </a:r>
-            <a:endParaRPr sz="1600" dirty="0">
-              <a:latin typeface="Open Sans" charset="0"/>
-              <a:ea typeface="Open Sans" charset="0"/>
-              <a:cs typeface="Open Sans" charset="0"/>
-              <a:sym typeface="Open Sans"/>
-            </a:endParaRPr>
-          </a:p>
-        </p:txBody>
-      </p:sp>
-      <p:sp>
-        <p:nvSpPr>
-          <p:cNvPr id="163" name="Google Shape;163;p10"/>
-          <p:cNvSpPr txBox="1"/>
-          <p:nvPr/>
-        </p:nvSpPr>
-        <p:spPr>
-          <a:xfrm rot="21599317">
-            <a:off x="3890198" y="3330652"/>
-            <a:ext cx="1510800" cy="432900"/>
-          </a:xfrm>
-          <a:prstGeom prst="rect">
-            <a:avLst/>
-          </a:prstGeom>
-          <a:noFill/>
-          <a:ln>
+              </a:endParaRPr>
+            </a:p>
+          </p:txBody>
+        </p:sp>
+        <p:sp>
+          <p:nvSpPr>
+            <p:cNvPr id="162" name="Google Shape;162;p10"/>
+            <p:cNvSpPr txBox="1"/>
+            <p:nvPr/>
+          </p:nvSpPr>
+          <p:spPr>
+            <a:xfrm>
+              <a:off x="7151283" y="4042200"/>
+              <a:ext cx="1382619" cy="575400"/>
+            </a:xfrm>
+            <a:prstGeom prst="rect">
+              <a:avLst/>
+            </a:prstGeom>
             <a:noFill/>
-          </a:ln>
-        </p:spPr>
-        <p:txBody>
-          <a:bodyPr spcFirstLastPara="1" wrap="square" lIns="91425" tIns="91425" rIns="91425" bIns="91425" anchor="t" anchorCtr="0">
-            <a:noAutofit/>
-          </a:bodyPr>
-          <a:lstStyle/>
-          <a:p>
-            <a:pPr marL="0" lvl="0" indent="0" algn="ctr" rtl="0">
-              <a:spcBef>
-                <a:spcPts val="0"/>
-              </a:spcBef>
-              <a:spcAft>
-                <a:spcPts val="0"/>
-              </a:spcAft>
-              <a:buNone/>
-            </a:pPr>
-            <a:r>
-              <a:rPr lang="en-US" sz="1600" dirty="0">
+            <a:ln>
+              <a:noFill/>
+            </a:ln>
+          </p:spPr>
+          <p:txBody>
+            <a:bodyPr spcFirstLastPara="1" wrap="square" lIns="91425" tIns="91425" rIns="91425" bIns="91425" anchor="ctr" anchorCtr="0">
+              <a:noAutofit/>
+            </a:bodyPr>
+            <a:lstStyle/>
+            <a:p>
+              <a:pPr marL="0" lvl="0" indent="0">
+                <a:spcBef>
+                  <a:spcPts val="0"/>
+                </a:spcBef>
+                <a:spcAft>
+                  <a:spcPts val="0"/>
+                </a:spcAft>
+                <a:buNone/>
+              </a:pPr>
+              <a:r>
+                <a:rPr lang="en-US" sz="1600" dirty="0">
+                  <a:latin typeface="Open Sans" charset="0"/>
+                  <a:ea typeface="Open Sans" charset="0"/>
+                  <a:cs typeface="Open Sans" charset="0"/>
+                  <a:sym typeface="Open Sans"/>
+                </a:rPr>
+                <a:t>reinjection, prawn farm, </a:t>
+              </a:r>
+              <a:r>
+                <a:rPr lang="en-US" sz="1600" dirty="0" smtClean="0">
+                  <a:latin typeface="Open Sans" charset="0"/>
+                  <a:ea typeface="Open Sans" charset="0"/>
+                  <a:cs typeface="Open Sans" charset="0"/>
+                  <a:sym typeface="Open Sans"/>
+                </a:rPr>
+                <a:t>etc.</a:t>
+              </a:r>
+              <a:endParaRPr sz="1600" dirty="0">
                 <a:latin typeface="Open Sans" charset="0"/>
                 <a:ea typeface="Open Sans" charset="0"/>
                 <a:cs typeface="Open Sans" charset="0"/>
                 <a:sym typeface="Open Sans"/>
-              </a:rPr>
-              <a:t>steam</a:t>
-            </a:r>
-            <a:endParaRPr sz="1600" dirty="0">
-              <a:latin typeface="Open Sans" charset="0"/>
-              <a:ea typeface="Open Sans" charset="0"/>
-              <a:cs typeface="Open Sans" charset="0"/>
-              <a:sym typeface="Open Sans"/>
-            </a:endParaRPr>
-          </a:p>
-        </p:txBody>
-      </p:sp>
-      <p:cxnSp>
-        <p:nvCxnSpPr>
-          <p:cNvPr id="164" name="Google Shape;164;p10"/>
-          <p:cNvCxnSpPr>
-            <a:stCxn id="155" idx="1"/>
-            <a:endCxn id="156" idx="5"/>
-          </p:cNvCxnSpPr>
-          <p:nvPr/>
-        </p:nvCxnSpPr>
-        <p:spPr>
-          <a:xfrm>
-            <a:off x="6870849" y="3040113"/>
-            <a:ext cx="0" cy="1134000"/>
-          </a:xfrm>
-          <a:prstGeom prst="straightConnector1">
-            <a:avLst/>
-          </a:prstGeom>
-          <a:noFill/>
-          <a:ln w="19050" cap="flat" cmpd="sng">
-            <a:solidFill>
-              <a:schemeClr val="tx1"/>
-            </a:solidFill>
-            <a:prstDash val="solid"/>
-            <a:round/>
-            <a:headEnd type="none" w="med" len="med"/>
-            <a:tailEnd type="triangle" w="med" len="med"/>
-          </a:ln>
-        </p:spPr>
-      </p:cxnSp>
+              </a:endParaRPr>
+            </a:p>
+          </p:txBody>
+        </p:sp>
+        <p:sp>
+          <p:nvSpPr>
+            <p:cNvPr id="163" name="Google Shape;163;p10"/>
+            <p:cNvSpPr txBox="1"/>
+            <p:nvPr/>
+          </p:nvSpPr>
+          <p:spPr>
+            <a:xfrm rot="21599317">
+              <a:off x="3890198" y="3330652"/>
+              <a:ext cx="1510800" cy="432900"/>
+            </a:xfrm>
+            <a:prstGeom prst="rect">
+              <a:avLst/>
+            </a:prstGeom>
+            <a:noFill/>
+            <a:ln>
+              <a:noFill/>
+            </a:ln>
+          </p:spPr>
+          <p:txBody>
+            <a:bodyPr spcFirstLastPara="1" wrap="square" lIns="91425" tIns="91425" rIns="91425" bIns="91425" anchor="t" anchorCtr="0">
+              <a:noAutofit/>
+            </a:bodyPr>
+            <a:lstStyle/>
+            <a:p>
+              <a:pPr marL="0" lvl="0" indent="0" algn="ctr" rtl="0">
+                <a:spcBef>
+                  <a:spcPts val="0"/>
+                </a:spcBef>
+                <a:spcAft>
+                  <a:spcPts val="0"/>
+                </a:spcAft>
+                <a:buNone/>
+              </a:pPr>
+              <a:r>
+                <a:rPr lang="en-US" sz="1600" dirty="0">
+                  <a:latin typeface="Open Sans" charset="0"/>
+                  <a:ea typeface="Open Sans" charset="0"/>
+                  <a:cs typeface="Open Sans" charset="0"/>
+                  <a:sym typeface="Open Sans"/>
+                </a:rPr>
+                <a:t>steam</a:t>
+              </a:r>
+              <a:endParaRPr sz="1600" dirty="0">
+                <a:latin typeface="Open Sans" charset="0"/>
+                <a:ea typeface="Open Sans" charset="0"/>
+                <a:cs typeface="Open Sans" charset="0"/>
+                <a:sym typeface="Open Sans"/>
+              </a:endParaRPr>
+            </a:p>
+          </p:txBody>
+        </p:sp>
+        <p:cxnSp>
+          <p:nvCxnSpPr>
+            <p:cNvPr id="164" name="Google Shape;164;p10"/>
+            <p:cNvCxnSpPr>
+              <a:stCxn id="155" idx="1"/>
+              <a:endCxn id="156" idx="5"/>
+            </p:cNvCxnSpPr>
+            <p:nvPr/>
+          </p:nvCxnSpPr>
+          <p:spPr>
+            <a:xfrm>
+              <a:off x="6870849" y="3040113"/>
+              <a:ext cx="0" cy="1134000"/>
+            </a:xfrm>
+            <a:prstGeom prst="straightConnector1">
+              <a:avLst/>
+            </a:prstGeom>
+            <a:noFill/>
+            <a:ln w="19050" cap="flat" cmpd="sng">
+              <a:solidFill>
+                <a:schemeClr val="tx1"/>
+              </a:solidFill>
+              <a:prstDash val="solid"/>
+              <a:round/>
+              <a:headEnd type="none" w="med" len="med"/>
+              <a:tailEnd type="triangle" w="med" len="med"/>
+            </a:ln>
+          </p:spPr>
+        </p:cxnSp>
+        <p:sp>
+          <p:nvSpPr>
+            <p:cNvPr id="2" name="TextBox 1"/>
+            <p:cNvSpPr txBox="1"/>
+            <p:nvPr/>
+          </p:nvSpPr>
+          <p:spPr>
+            <a:xfrm>
+              <a:off x="1249250" y="752662"/>
+              <a:ext cx="1990152" cy="369332"/>
+            </a:xfrm>
+            <a:prstGeom prst="rect">
+              <a:avLst/>
+            </a:prstGeom>
+            <a:noFill/>
+          </p:spPr>
+          <p:txBody>
+            <a:bodyPr wrap="square" rtlCol="0">
+              <a:spAutoFit/>
+            </a:bodyPr>
+            <a:lstStyle/>
+            <a:p>
+              <a:r>
+                <a:rPr lang="en-US" sz="1800" dirty="0" smtClean="0">
+                  <a:latin typeface="Open Sans" charset="0"/>
+                  <a:ea typeface="Open Sans" charset="0"/>
+                  <a:cs typeface="Open Sans" charset="0"/>
+                </a:rPr>
+                <a:t>Wells</a:t>
+              </a:r>
+              <a:endParaRPr lang="en-US" sz="1800" dirty="0">
+                <a:latin typeface="Open Sans" charset="0"/>
+                <a:ea typeface="Open Sans" charset="0"/>
+                <a:cs typeface="Open Sans" charset="0"/>
+              </a:endParaRPr>
+            </a:p>
+          </p:txBody>
+        </p:sp>
+        <p:sp>
+          <p:nvSpPr>
+            <p:cNvPr id="37" name="TextBox 36"/>
+            <p:cNvSpPr txBox="1"/>
+            <p:nvPr/>
+          </p:nvSpPr>
+          <p:spPr>
+            <a:xfrm>
+              <a:off x="3267417" y="752662"/>
+              <a:ext cx="1990152" cy="369332"/>
+            </a:xfrm>
+            <a:prstGeom prst="rect">
+              <a:avLst/>
+            </a:prstGeom>
+            <a:noFill/>
+          </p:spPr>
+          <p:txBody>
+            <a:bodyPr wrap="square" rtlCol="0">
+              <a:spAutoFit/>
+            </a:bodyPr>
+            <a:lstStyle/>
+            <a:p>
+              <a:r>
+                <a:rPr lang="en-US" sz="1800" dirty="0" smtClean="0">
+                  <a:latin typeface="Open Sans" charset="0"/>
+                  <a:ea typeface="Open Sans" charset="0"/>
+                  <a:cs typeface="Open Sans" charset="0"/>
+                </a:rPr>
+                <a:t>Flash Plants</a:t>
+              </a:r>
+              <a:endParaRPr lang="en-US" sz="1800" dirty="0">
+                <a:latin typeface="Open Sans" charset="0"/>
+                <a:ea typeface="Open Sans" charset="0"/>
+                <a:cs typeface="Open Sans" charset="0"/>
+              </a:endParaRPr>
+            </a:p>
+          </p:txBody>
+        </p:sp>
+        <p:sp>
+          <p:nvSpPr>
+            <p:cNvPr id="38" name="TextBox 37"/>
+            <p:cNvSpPr txBox="1"/>
+            <p:nvPr/>
+          </p:nvSpPr>
+          <p:spPr>
+            <a:xfrm>
+              <a:off x="5718722" y="752662"/>
+              <a:ext cx="1990152" cy="369332"/>
+            </a:xfrm>
+            <a:prstGeom prst="rect">
+              <a:avLst/>
+            </a:prstGeom>
+            <a:noFill/>
+          </p:spPr>
+          <p:txBody>
+            <a:bodyPr wrap="square" rtlCol="0">
+              <a:spAutoFit/>
+            </a:bodyPr>
+            <a:lstStyle/>
+            <a:p>
+              <a:r>
+                <a:rPr lang="en-US" sz="1800" smtClean="0">
+                  <a:latin typeface="Open Sans" charset="0"/>
+                  <a:ea typeface="Open Sans" charset="0"/>
+                  <a:cs typeface="Open Sans" charset="0"/>
+                </a:rPr>
+                <a:t>Generators</a:t>
+              </a:r>
+              <a:endParaRPr lang="en-US" sz="1800" dirty="0">
+                <a:latin typeface="Open Sans" charset="0"/>
+                <a:ea typeface="Open Sans" charset="0"/>
+                <a:cs typeface="Open Sans" charset="0"/>
+              </a:endParaRPr>
+            </a:p>
+          </p:txBody>
+        </p:sp>
+      </p:grpSp>
     </p:spTree>
   </p:cSld>
   <p:clrMapOvr>
